--- a/____Презентации/Марценюк.pptx
+++ b/____Презентации/Марценюк.pptx
@@ -4,25 +4,28 @@
   <p:sldMasterIdLst>
     <p:sldMasterId id="2147483660" r:id="rId1"/>
   </p:sldMasterIdLst>
+  <p:notesMasterIdLst>
+    <p:notesMasterId r:id="rId17"/>
+  </p:notesMasterIdLst>
   <p:sldIdLst>
     <p:sldId id="256" r:id="rId2"/>
     <p:sldId id="257" r:id="rId3"/>
-    <p:sldId id="261" r:id="rId4"/>
-    <p:sldId id="262" r:id="rId5"/>
-    <p:sldId id="260" r:id="rId6"/>
-    <p:sldId id="264" r:id="rId7"/>
-    <p:sldId id="263" r:id="rId8"/>
-    <p:sldId id="265" r:id="rId9"/>
-    <p:sldId id="266" r:id="rId10"/>
-    <p:sldId id="267" r:id="rId11"/>
-    <p:sldId id="268" r:id="rId12"/>
-    <p:sldId id="269" r:id="rId13"/>
-    <p:sldId id="270" r:id="rId14"/>
+    <p:sldId id="271" r:id="rId4"/>
+    <p:sldId id="264" r:id="rId5"/>
+    <p:sldId id="272" r:id="rId6"/>
+    <p:sldId id="261" r:id="rId7"/>
+    <p:sldId id="262" r:id="rId8"/>
+    <p:sldId id="260" r:id="rId9"/>
+    <p:sldId id="273" r:id="rId10"/>
+    <p:sldId id="274" r:id="rId11"/>
+    <p:sldId id="275" r:id="rId12"/>
+    <p:sldId id="276" r:id="rId13"/>
+    <p:sldId id="263" r:id="rId14"/>
     <p:sldId id="259" r:id="rId15"/>
     <p:sldId id="258" r:id="rId16"/>
   </p:sldIdLst>
   <p:sldSz cx="12192000" cy="6858000"/>
-  <p:notesSz cx="6858000" cy="9144000"/>
+  <p:notesSz cx="6888163" cy="10020300"/>
   <p:defaultTextStyle>
     <a:defPPr>
       <a:defRPr lang="ru-RU"/>
@@ -124,6 +127,356 @@
     </p:ext>
   </p:extLst>
 </p:presentation>
+</file>
+
+<file path=ppt/notesMasters/notesMaster1.xml><?xml version="1.0" encoding="utf-8"?>
+<p:notesMaster xmlns:a="http://schemas.openxmlformats.org/drawingml/2006/main" xmlns:r="http://schemas.openxmlformats.org/officeDocument/2006/relationships" xmlns:p="http://schemas.openxmlformats.org/presentationml/2006/main">
+  <p:cSld>
+    <p:bg>
+      <p:bgRef idx="1001">
+        <a:schemeClr val="bg1"/>
+      </p:bgRef>
+    </p:bg>
+    <p:spTree>
+      <p:nvGrpSpPr>
+        <p:cNvPr id="1" name=""/>
+        <p:cNvGrpSpPr/>
+        <p:nvPr/>
+      </p:nvGrpSpPr>
+      <p:grpSpPr>
+        <a:xfrm>
+          <a:off x="0" y="0"/>
+          <a:ext cx="0" cy="0"/>
+          <a:chOff x="0" y="0"/>
+          <a:chExt cx="0" cy="0"/>
+        </a:xfrm>
+      </p:grpSpPr>
+      <p:sp>
+        <p:nvSpPr>
+          <p:cNvPr id="2" name="Верхний колонтитул 1"/>
+          <p:cNvSpPr>
+            <a:spLocks noGrp="1"/>
+          </p:cNvSpPr>
+          <p:nvPr>
+            <p:ph type="hdr" sz="quarter"/>
+          </p:nvPr>
+        </p:nvSpPr>
+        <p:spPr>
+          <a:xfrm>
+            <a:off x="0" y="0"/>
+            <a:ext cx="2984871" cy="502755"/>
+          </a:xfrm>
+          <a:prstGeom prst="rect">
+            <a:avLst/>
+          </a:prstGeom>
+        </p:spPr>
+        <p:txBody>
+          <a:bodyPr vert="horz" lIns="96616" tIns="48308" rIns="96616" bIns="48308" rtlCol="0"/>
+          <a:lstStyle>
+            <a:lvl1pPr algn="l">
+              <a:defRPr sz="1300"/>
+            </a:lvl1pPr>
+          </a:lstStyle>
+          <a:p>
+            <a:endParaRPr lang="ru-RU"/>
+          </a:p>
+        </p:txBody>
+      </p:sp>
+      <p:sp>
+        <p:nvSpPr>
+          <p:cNvPr id="3" name="Дата 2"/>
+          <p:cNvSpPr>
+            <a:spLocks noGrp="1"/>
+          </p:cNvSpPr>
+          <p:nvPr>
+            <p:ph type="dt" idx="1"/>
+          </p:nvPr>
+        </p:nvSpPr>
+        <p:spPr>
+          <a:xfrm>
+            <a:off x="3901698" y="0"/>
+            <a:ext cx="2984871" cy="502755"/>
+          </a:xfrm>
+          <a:prstGeom prst="rect">
+            <a:avLst/>
+          </a:prstGeom>
+        </p:spPr>
+        <p:txBody>
+          <a:bodyPr vert="horz" lIns="96616" tIns="48308" rIns="96616" bIns="48308" rtlCol="0"/>
+          <a:lstStyle>
+            <a:lvl1pPr algn="r">
+              <a:defRPr sz="1300"/>
+            </a:lvl1pPr>
+          </a:lstStyle>
+          <a:p>
+            <a:fld id="{D4B36ED2-420C-4DAE-B3DE-22D1DDB82222}" type="datetimeFigureOut">
+              <a:rPr lang="ru-RU" smtClean="0"/>
+              <a:t>15.12.2020</a:t>
+            </a:fld>
+            <a:endParaRPr lang="ru-RU"/>
+          </a:p>
+        </p:txBody>
+      </p:sp>
+      <p:sp>
+        <p:nvSpPr>
+          <p:cNvPr id="4" name="Образ слайда 3"/>
+          <p:cNvSpPr>
+            <a:spLocks noGrp="1" noRot="1" noChangeAspect="1"/>
+          </p:cNvSpPr>
+          <p:nvPr>
+            <p:ph type="sldImg" idx="2"/>
+          </p:nvPr>
+        </p:nvSpPr>
+        <p:spPr>
+          <a:xfrm>
+            <a:off x="439738" y="1252538"/>
+            <a:ext cx="6008687" cy="3381375"/>
+          </a:xfrm>
+          <a:prstGeom prst="rect">
+            <a:avLst/>
+          </a:prstGeom>
+          <a:noFill/>
+          <a:ln w="12700">
+            <a:solidFill>
+              <a:prstClr val="black"/>
+            </a:solidFill>
+          </a:ln>
+        </p:spPr>
+        <p:txBody>
+          <a:bodyPr vert="horz" lIns="96616" tIns="48308" rIns="96616" bIns="48308" rtlCol="0" anchor="ctr"/>
+          <a:lstStyle/>
+          <a:p>
+            <a:endParaRPr lang="ru-RU"/>
+          </a:p>
+        </p:txBody>
+      </p:sp>
+      <p:sp>
+        <p:nvSpPr>
+          <p:cNvPr id="5" name="Заметки 4"/>
+          <p:cNvSpPr>
+            <a:spLocks noGrp="1"/>
+          </p:cNvSpPr>
+          <p:nvPr>
+            <p:ph type="body" sz="quarter" idx="3"/>
+          </p:nvPr>
+        </p:nvSpPr>
+        <p:spPr>
+          <a:xfrm>
+            <a:off x="688817" y="4822269"/>
+            <a:ext cx="5510530" cy="3945493"/>
+          </a:xfrm>
+          <a:prstGeom prst="rect">
+            <a:avLst/>
+          </a:prstGeom>
+        </p:spPr>
+        <p:txBody>
+          <a:bodyPr vert="horz" lIns="96616" tIns="48308" rIns="96616" bIns="48308" rtlCol="0"/>
+          <a:lstStyle/>
+          <a:p>
+            <a:pPr lvl="0"/>
+            <a:r>
+              <a:rPr lang="ru-RU" smtClean="0"/>
+              <a:t>Образец текста</a:t>
+            </a:r>
+          </a:p>
+          <a:p>
+            <a:pPr lvl="1"/>
+            <a:r>
+              <a:rPr lang="ru-RU" smtClean="0"/>
+              <a:t>Второй уровень</a:t>
+            </a:r>
+          </a:p>
+          <a:p>
+            <a:pPr lvl="2"/>
+            <a:r>
+              <a:rPr lang="ru-RU" smtClean="0"/>
+              <a:t>Третий уровень</a:t>
+            </a:r>
+          </a:p>
+          <a:p>
+            <a:pPr lvl="3"/>
+            <a:r>
+              <a:rPr lang="ru-RU" smtClean="0"/>
+              <a:t>Четвертый уровень</a:t>
+            </a:r>
+          </a:p>
+          <a:p>
+            <a:pPr lvl="4"/>
+            <a:r>
+              <a:rPr lang="ru-RU" smtClean="0"/>
+              <a:t>Пятый уровень</a:t>
+            </a:r>
+            <a:endParaRPr lang="ru-RU"/>
+          </a:p>
+        </p:txBody>
+      </p:sp>
+      <p:sp>
+        <p:nvSpPr>
+          <p:cNvPr id="6" name="Нижний колонтитул 5"/>
+          <p:cNvSpPr>
+            <a:spLocks noGrp="1"/>
+          </p:cNvSpPr>
+          <p:nvPr>
+            <p:ph type="ftr" sz="quarter" idx="4"/>
+          </p:nvPr>
+        </p:nvSpPr>
+        <p:spPr>
+          <a:xfrm>
+            <a:off x="0" y="9517547"/>
+            <a:ext cx="2984871" cy="502754"/>
+          </a:xfrm>
+          <a:prstGeom prst="rect">
+            <a:avLst/>
+          </a:prstGeom>
+        </p:spPr>
+        <p:txBody>
+          <a:bodyPr vert="horz" lIns="96616" tIns="48308" rIns="96616" bIns="48308" rtlCol="0" anchor="b"/>
+          <a:lstStyle>
+            <a:lvl1pPr algn="l">
+              <a:defRPr sz="1300"/>
+            </a:lvl1pPr>
+          </a:lstStyle>
+          <a:p>
+            <a:endParaRPr lang="ru-RU"/>
+          </a:p>
+        </p:txBody>
+      </p:sp>
+      <p:sp>
+        <p:nvSpPr>
+          <p:cNvPr id="7" name="Номер слайда 6"/>
+          <p:cNvSpPr>
+            <a:spLocks noGrp="1"/>
+          </p:cNvSpPr>
+          <p:nvPr>
+            <p:ph type="sldNum" sz="quarter" idx="5"/>
+          </p:nvPr>
+        </p:nvSpPr>
+        <p:spPr>
+          <a:xfrm>
+            <a:off x="3901698" y="9517547"/>
+            <a:ext cx="2984871" cy="502754"/>
+          </a:xfrm>
+          <a:prstGeom prst="rect">
+            <a:avLst/>
+          </a:prstGeom>
+        </p:spPr>
+        <p:txBody>
+          <a:bodyPr vert="horz" lIns="96616" tIns="48308" rIns="96616" bIns="48308" rtlCol="0" anchor="b"/>
+          <a:lstStyle>
+            <a:lvl1pPr algn="r">
+              <a:defRPr sz="1300"/>
+            </a:lvl1pPr>
+          </a:lstStyle>
+          <a:p>
+            <a:fld id="{2044F4D7-B77C-4082-BC8C-22E57F3C527E}" type="slidenum">
+              <a:rPr lang="ru-RU" smtClean="0"/>
+              <a:t>‹#›</a:t>
+            </a:fld>
+            <a:endParaRPr lang="ru-RU"/>
+          </a:p>
+        </p:txBody>
+      </p:sp>
+    </p:spTree>
+    <p:extLst>
+      <p:ext uri="{BB962C8B-B14F-4D97-AF65-F5344CB8AC3E}">
+        <p14:creationId xmlns:p14="http://schemas.microsoft.com/office/powerpoint/2010/main" val="2654256725"/>
+      </p:ext>
+    </p:extLst>
+  </p:cSld>
+  <p:clrMap bg1="lt1" tx1="dk1" bg2="lt2" tx2="dk2" accent1="accent1" accent2="accent2" accent3="accent3" accent4="accent4" accent5="accent5" accent6="accent6" hlink="hlink" folHlink="folHlink"/>
+  <p:notesStyle>
+    <a:lvl1pPr marL="0" algn="l" defTabSz="914400" rtl="0" eaLnBrk="1" latinLnBrk="0" hangingPunct="1">
+      <a:defRPr sz="1200" kern="1200">
+        <a:solidFill>
+          <a:schemeClr val="tx1"/>
+        </a:solidFill>
+        <a:latin typeface="+mn-lt"/>
+        <a:ea typeface="+mn-ea"/>
+        <a:cs typeface="+mn-cs"/>
+      </a:defRPr>
+    </a:lvl1pPr>
+    <a:lvl2pPr marL="457200" algn="l" defTabSz="914400" rtl="0" eaLnBrk="1" latinLnBrk="0" hangingPunct="1">
+      <a:defRPr sz="1200" kern="1200">
+        <a:solidFill>
+          <a:schemeClr val="tx1"/>
+        </a:solidFill>
+        <a:latin typeface="+mn-lt"/>
+        <a:ea typeface="+mn-ea"/>
+        <a:cs typeface="+mn-cs"/>
+      </a:defRPr>
+    </a:lvl2pPr>
+    <a:lvl3pPr marL="914400" algn="l" defTabSz="914400" rtl="0" eaLnBrk="1" latinLnBrk="0" hangingPunct="1">
+      <a:defRPr sz="1200" kern="1200">
+        <a:solidFill>
+          <a:schemeClr val="tx1"/>
+        </a:solidFill>
+        <a:latin typeface="+mn-lt"/>
+        <a:ea typeface="+mn-ea"/>
+        <a:cs typeface="+mn-cs"/>
+      </a:defRPr>
+    </a:lvl3pPr>
+    <a:lvl4pPr marL="1371600" algn="l" defTabSz="914400" rtl="0" eaLnBrk="1" latinLnBrk="0" hangingPunct="1">
+      <a:defRPr sz="1200" kern="1200">
+        <a:solidFill>
+          <a:schemeClr val="tx1"/>
+        </a:solidFill>
+        <a:latin typeface="+mn-lt"/>
+        <a:ea typeface="+mn-ea"/>
+        <a:cs typeface="+mn-cs"/>
+      </a:defRPr>
+    </a:lvl4pPr>
+    <a:lvl5pPr marL="1828800" algn="l" defTabSz="914400" rtl="0" eaLnBrk="1" latinLnBrk="0" hangingPunct="1">
+      <a:defRPr sz="1200" kern="1200">
+        <a:solidFill>
+          <a:schemeClr val="tx1"/>
+        </a:solidFill>
+        <a:latin typeface="+mn-lt"/>
+        <a:ea typeface="+mn-ea"/>
+        <a:cs typeface="+mn-cs"/>
+      </a:defRPr>
+    </a:lvl5pPr>
+    <a:lvl6pPr marL="2286000" algn="l" defTabSz="914400" rtl="0" eaLnBrk="1" latinLnBrk="0" hangingPunct="1">
+      <a:defRPr sz="1200" kern="1200">
+        <a:solidFill>
+          <a:schemeClr val="tx1"/>
+        </a:solidFill>
+        <a:latin typeface="+mn-lt"/>
+        <a:ea typeface="+mn-ea"/>
+        <a:cs typeface="+mn-cs"/>
+      </a:defRPr>
+    </a:lvl6pPr>
+    <a:lvl7pPr marL="2743200" algn="l" defTabSz="914400" rtl="0" eaLnBrk="1" latinLnBrk="0" hangingPunct="1">
+      <a:defRPr sz="1200" kern="1200">
+        <a:solidFill>
+          <a:schemeClr val="tx1"/>
+        </a:solidFill>
+        <a:latin typeface="+mn-lt"/>
+        <a:ea typeface="+mn-ea"/>
+        <a:cs typeface="+mn-cs"/>
+      </a:defRPr>
+    </a:lvl7pPr>
+    <a:lvl8pPr marL="3200400" algn="l" defTabSz="914400" rtl="0" eaLnBrk="1" latinLnBrk="0" hangingPunct="1">
+      <a:defRPr sz="1200" kern="1200">
+        <a:solidFill>
+          <a:schemeClr val="tx1"/>
+        </a:solidFill>
+        <a:latin typeface="+mn-lt"/>
+        <a:ea typeface="+mn-ea"/>
+        <a:cs typeface="+mn-cs"/>
+      </a:defRPr>
+    </a:lvl8pPr>
+    <a:lvl9pPr marL="3657600" algn="l" defTabSz="914400" rtl="0" eaLnBrk="1" latinLnBrk="0" hangingPunct="1">
+      <a:defRPr sz="1200" kern="1200">
+        <a:solidFill>
+          <a:schemeClr val="tx1"/>
+        </a:solidFill>
+        <a:latin typeface="+mn-lt"/>
+        <a:ea typeface="+mn-ea"/>
+        <a:cs typeface="+mn-cs"/>
+      </a:defRPr>
+    </a:lvl9pPr>
+  </p:notesStyle>
+</p:notesMaster>
 </file>
 
 <file path=ppt/slideLayouts/slideLayout1.xml><?xml version="1.0" encoding="utf-8"?>
@@ -628,7 +981,7 @@
           <a:p>
             <a:fld id="{F3FEF25C-783E-403C-A3BB-3E4C5172B44C}" type="datetimeFigureOut">
               <a:rPr lang="ru-RU" smtClean="0"/>
-              <a:t>03.12.2020</a:t>
+              <a:t>15.12.2020</a:t>
             </a:fld>
             <a:endParaRPr lang="ru-RU"/>
           </a:p>
@@ -924,7 +1277,7 @@
           <a:p>
             <a:fld id="{F3FEF25C-783E-403C-A3BB-3E4C5172B44C}" type="datetimeFigureOut">
               <a:rPr lang="ru-RU" smtClean="0"/>
-              <a:t>03.12.2020</a:t>
+              <a:t>15.12.2020</a:t>
             </a:fld>
             <a:endParaRPr lang="ru-RU"/>
           </a:p>
@@ -1172,7 +1525,7 @@
           <a:p>
             <a:fld id="{F3FEF25C-783E-403C-A3BB-3E4C5172B44C}" type="datetimeFigureOut">
               <a:rPr lang="ru-RU" smtClean="0"/>
-              <a:t>03.12.2020</a:t>
+              <a:t>15.12.2020</a:t>
             </a:fld>
             <a:endParaRPr lang="ru-RU"/>
           </a:p>
@@ -1712,7 +2065,7 @@
           <a:p>
             <a:fld id="{F3FEF25C-783E-403C-A3BB-3E4C5172B44C}" type="datetimeFigureOut">
               <a:rPr lang="ru-RU" smtClean="0"/>
-              <a:t>03.12.2020</a:t>
+              <a:t>15.12.2020</a:t>
             </a:fld>
             <a:endParaRPr lang="ru-RU"/>
           </a:p>
@@ -1960,7 +2313,7 @@
           <a:p>
             <a:fld id="{F3FEF25C-783E-403C-A3BB-3E4C5172B44C}" type="datetimeFigureOut">
               <a:rPr lang="ru-RU" smtClean="0"/>
-              <a:t>03.12.2020</a:t>
+              <a:t>15.12.2020</a:t>
             </a:fld>
             <a:endParaRPr lang="ru-RU"/>
           </a:p>
@@ -2492,7 +2845,7 @@
           <a:p>
             <a:fld id="{F3FEF25C-783E-403C-A3BB-3E4C5172B44C}" type="datetimeFigureOut">
               <a:rPr lang="ru-RU" smtClean="0"/>
-              <a:t>03.12.2020</a:t>
+              <a:t>15.12.2020</a:t>
             </a:fld>
             <a:endParaRPr lang="ru-RU"/>
           </a:p>
@@ -2789,7 +3142,7 @@
           <a:p>
             <a:fld id="{F3FEF25C-783E-403C-A3BB-3E4C5172B44C}" type="datetimeFigureOut">
               <a:rPr lang="ru-RU" smtClean="0"/>
-              <a:t>03.12.2020</a:t>
+              <a:t>15.12.2020</a:t>
             </a:fld>
             <a:endParaRPr lang="ru-RU"/>
           </a:p>
@@ -2963,7 +3316,7 @@
           <a:p>
             <a:fld id="{F3FEF25C-783E-403C-A3BB-3E4C5172B44C}" type="datetimeFigureOut">
               <a:rPr lang="ru-RU" smtClean="0"/>
-              <a:t>03.12.2020</a:t>
+              <a:t>15.12.2020</a:t>
             </a:fld>
             <a:endParaRPr lang="ru-RU"/>
           </a:p>
@@ -3143,7 +3496,7 @@
           <a:p>
             <a:fld id="{F3FEF25C-783E-403C-A3BB-3E4C5172B44C}" type="datetimeFigureOut">
               <a:rPr lang="ru-RU" smtClean="0"/>
-              <a:t>03.12.2020</a:t>
+              <a:t>15.12.2020</a:t>
             </a:fld>
             <a:endParaRPr lang="ru-RU"/>
           </a:p>
@@ -3313,7 +3666,7 @@
           <a:p>
             <a:fld id="{F3FEF25C-783E-403C-A3BB-3E4C5172B44C}" type="datetimeFigureOut">
               <a:rPr lang="ru-RU" smtClean="0"/>
-              <a:t>03.12.2020</a:t>
+              <a:t>15.12.2020</a:t>
             </a:fld>
             <a:endParaRPr lang="ru-RU"/>
           </a:p>
@@ -3564,7 +3917,7 @@
           <a:p>
             <a:fld id="{F3FEF25C-783E-403C-A3BB-3E4C5172B44C}" type="datetimeFigureOut">
               <a:rPr lang="ru-RU" smtClean="0"/>
-              <a:t>03.12.2020</a:t>
+              <a:t>15.12.2020</a:t>
             </a:fld>
             <a:endParaRPr lang="ru-RU"/>
           </a:p>
@@ -3861,7 +4214,7 @@
           <a:p>
             <a:fld id="{F3FEF25C-783E-403C-A3BB-3E4C5172B44C}" type="datetimeFigureOut">
               <a:rPr lang="ru-RU" smtClean="0"/>
-              <a:t>03.12.2020</a:t>
+              <a:t>15.12.2020</a:t>
             </a:fld>
             <a:endParaRPr lang="ru-RU"/>
           </a:p>
@@ -4303,7 +4656,7 @@
           <a:p>
             <a:fld id="{F3FEF25C-783E-403C-A3BB-3E4C5172B44C}" type="datetimeFigureOut">
               <a:rPr lang="ru-RU" smtClean="0"/>
-              <a:t>03.12.2020</a:t>
+              <a:t>15.12.2020</a:t>
             </a:fld>
             <a:endParaRPr lang="ru-RU"/>
           </a:p>
@@ -4421,7 +4774,7 @@
           <a:p>
             <a:fld id="{F3FEF25C-783E-403C-A3BB-3E4C5172B44C}" type="datetimeFigureOut">
               <a:rPr lang="ru-RU" smtClean="0"/>
-              <a:t>03.12.2020</a:t>
+              <a:t>15.12.2020</a:t>
             </a:fld>
             <a:endParaRPr lang="ru-RU"/>
           </a:p>
@@ -4516,7 +4869,7 @@
           <a:p>
             <a:fld id="{F3FEF25C-783E-403C-A3BB-3E4C5172B44C}" type="datetimeFigureOut">
               <a:rPr lang="ru-RU" smtClean="0"/>
-              <a:t>03.12.2020</a:t>
+              <a:t>15.12.2020</a:t>
             </a:fld>
             <a:endParaRPr lang="ru-RU"/>
           </a:p>
@@ -4799,7 +5152,7 @@
           <a:p>
             <a:fld id="{F3FEF25C-783E-403C-A3BB-3E4C5172B44C}" type="datetimeFigureOut">
               <a:rPr lang="ru-RU" smtClean="0"/>
-              <a:t>03.12.2020</a:t>
+              <a:t>15.12.2020</a:t>
             </a:fld>
             <a:endParaRPr lang="ru-RU"/>
           </a:p>
@@ -5090,7 +5443,7 @@
           <a:p>
             <a:fld id="{F3FEF25C-783E-403C-A3BB-3E4C5172B44C}" type="datetimeFigureOut">
               <a:rPr lang="ru-RU" smtClean="0"/>
-              <a:t>03.12.2020</a:t>
+              <a:t>15.12.2020</a:t>
             </a:fld>
             <a:endParaRPr lang="ru-RU"/>
           </a:p>
@@ -5620,7 +5973,7 @@
           <a:p>
             <a:fld id="{F3FEF25C-783E-403C-A3BB-3E4C5172B44C}" type="datetimeFigureOut">
               <a:rPr lang="ru-RU" smtClean="0"/>
-              <a:t>03.12.2020</a:t>
+              <a:t>15.12.2020</a:t>
             </a:fld>
             <a:endParaRPr lang="ru-RU"/>
           </a:p>
@@ -6382,8 +6735,11 @@
                 <a:latin typeface="Montserrat" panose="00000500000000000000" pitchFamily="2" charset="-52"/>
                 <a:cs typeface="Times New Roman" panose="02020603050405020304" pitchFamily="18" charset="0"/>
               </a:rPr>
-              <a:t>Виконав: студент групи </a:t>
-            </a:r>
+              <a:t>Виконав: студент групи КІТ-М119б Марценюк Б.В.</a:t>
+            </a:r>
+          </a:p>
+          <a:p>
+            <a:pPr algn="just"/>
             <a:r>
               <a:rPr lang="uk-UA" dirty="0" smtClean="0">
                 <a:solidFill>
@@ -6392,40 +6748,7 @@
                 <a:latin typeface="Montserrat" panose="00000500000000000000" pitchFamily="2" charset="-52"/>
                 <a:cs typeface="Times New Roman" panose="02020603050405020304" pitchFamily="18" charset="0"/>
               </a:rPr>
-              <a:t>КІТ-М119б </a:t>
-            </a:r>
-            <a:r>
-              <a:rPr lang="uk-UA" dirty="0" smtClean="0">
-                <a:solidFill>
-                  <a:srgbClr val="595959"/>
-                </a:solidFill>
-                <a:latin typeface="Montserrat" panose="00000500000000000000" pitchFamily="2" charset="-52"/>
-                <a:cs typeface="Times New Roman" panose="02020603050405020304" pitchFamily="18" charset="0"/>
-              </a:rPr>
-              <a:t>Марценюк Б.В.</a:t>
-            </a:r>
-          </a:p>
-          <a:p>
-            <a:pPr algn="just"/>
-            <a:r>
-              <a:rPr lang="uk-UA" dirty="0" smtClean="0">
-                <a:solidFill>
-                  <a:srgbClr val="595959"/>
-                </a:solidFill>
-                <a:latin typeface="Montserrat" panose="00000500000000000000" pitchFamily="2" charset="-52"/>
-                <a:cs typeface="Times New Roman" panose="02020603050405020304" pitchFamily="18" charset="0"/>
-              </a:rPr>
-              <a:t>Керівник: проф. </a:t>
-            </a:r>
-            <a:r>
-              <a:rPr lang="uk-UA" dirty="0" smtClean="0">
-                <a:solidFill>
-                  <a:srgbClr val="595959"/>
-                </a:solidFill>
-                <a:latin typeface="Montserrat" panose="00000500000000000000" pitchFamily="2" charset="-52"/>
-                <a:cs typeface="Times New Roman" panose="02020603050405020304" pitchFamily="18" charset="0"/>
-              </a:rPr>
-              <a:t>Філоненко А.М.</a:t>
+              <a:t>Керівник: проф. Філоненко А.М.</a:t>
             </a:r>
             <a:endParaRPr lang="ru-RU" dirty="0">
               <a:solidFill>
@@ -6474,79 +6797,30 @@
           <a:chExt cx="0" cy="0"/>
         </a:xfrm>
       </p:grpSpPr>
-      <p:sp>
-        <p:nvSpPr>
-          <p:cNvPr id="2" name="Заголовок 1"/>
-          <p:cNvSpPr>
-            <a:spLocks noGrp="1"/>
-          </p:cNvSpPr>
-          <p:nvPr>
-            <p:ph type="title"/>
-          </p:nvPr>
-        </p:nvSpPr>
-        <p:spPr>
-          <a:xfrm>
-            <a:off x="1970087" y="940525"/>
-            <a:ext cx="7295833" cy="563880"/>
-          </a:xfrm>
-        </p:spPr>
-        <p:txBody>
-          <a:bodyPr>
-            <a:noAutofit/>
-          </a:bodyPr>
-          <a:lstStyle/>
-          <a:p>
-            <a:pPr algn="l"/>
-            <a:r>
-              <a:rPr lang="uk-UA" sz="3200" spc="200" dirty="0" smtClean="0">
-                <a:solidFill>
-                  <a:srgbClr val="30ACEC"/>
-                </a:solidFill>
-                <a:latin typeface="Montserrat ExtraLight" panose="00000300000000000000" pitchFamily="2" charset="-52"/>
-                <a:ea typeface="Roboto Light" panose="02000000000000000000" pitchFamily="2" charset="0"/>
-                <a:cs typeface="Roboto Light" panose="02000000000000000000" pitchFamily="2" charset="0"/>
-              </a:rPr>
-              <a:t>Класи клієнтської </a:t>
-            </a:r>
-            <a:r>
-              <a:rPr lang="uk-UA" sz="3200" spc="200" dirty="0">
-                <a:solidFill>
-                  <a:srgbClr val="30ACEC"/>
-                </a:solidFill>
-                <a:latin typeface="Montserrat ExtraLight" panose="00000300000000000000" pitchFamily="2" charset="-52"/>
-                <a:ea typeface="Roboto Light" panose="02000000000000000000" pitchFamily="2" charset="0"/>
-                <a:cs typeface="Roboto Light" panose="02000000000000000000" pitchFamily="2" charset="0"/>
-              </a:rPr>
-              <a:t>частини</a:t>
-            </a:r>
-            <a:endParaRPr lang="ru-RU" sz="3200" spc="200" dirty="0">
-              <a:latin typeface="Montserrat ExtraLight" panose="00000300000000000000" pitchFamily="2" charset="-52"/>
-              <a:ea typeface="Roboto Light" panose="02000000000000000000" pitchFamily="2" charset="0"/>
-              <a:cs typeface="Roboto Light" panose="02000000000000000000" pitchFamily="2" charset="0"/>
-            </a:endParaRPr>
-          </a:p>
-        </p:txBody>
-      </p:sp>
       <p:pic>
         <p:nvPicPr>
-          <p:cNvPr id="5" name="Объект 4"/>
+          <p:cNvPr id="10" name="Рисунок 9"/>
           <p:cNvPicPr>
-            <a:picLocks noGrp="1" noChangeAspect="1"/>
+            <a:picLocks noChangeAspect="1"/>
           </p:cNvPicPr>
-          <p:nvPr>
-            <p:ph idx="1"/>
-          </p:nvPr>
+          <p:nvPr/>
         </p:nvPicPr>
         <p:blipFill>
-          <a:blip r:embed="rId2"/>
+          <a:blip r:embed="rId2">
+            <a:extLst>
+              <a:ext uri="{28A0092B-C50C-407E-A947-70E740481C1C}">
+                <a14:useLocalDpi xmlns:a14="http://schemas.microsoft.com/office/drawing/2010/main" val="0"/>
+              </a:ext>
+            </a:extLst>
+          </a:blip>
           <a:stretch>
             <a:fillRect/>
           </a:stretch>
         </p:blipFill>
         <p:spPr>
           <a:xfrm>
-            <a:off x="6087291" y="1666875"/>
-            <a:ext cx="5248275" cy="4362450"/>
+            <a:off x="2653552" y="1209730"/>
+            <a:ext cx="7677897" cy="4949769"/>
           </a:xfrm>
           <a:prstGeom prst="rect">
             <a:avLst/>
@@ -6555,174 +6829,34 @@
       </p:pic>
       <p:sp>
         <p:nvSpPr>
-          <p:cNvPr id="4" name="Текст 3"/>
-          <p:cNvSpPr>
-            <a:spLocks noGrp="1"/>
-          </p:cNvSpPr>
-          <p:nvPr>
-            <p:ph type="body" sz="half" idx="2"/>
-          </p:nvPr>
+          <p:cNvPr id="11" name="TextBox 10"/>
+          <p:cNvSpPr txBox="1"/>
+          <p:nvPr/>
         </p:nvSpPr>
         <p:spPr>
           <a:xfrm>
-            <a:off x="1970087" y="2044337"/>
-            <a:ext cx="3549121" cy="3624943"/>
+            <a:off x="4491319" y="618565"/>
+            <a:ext cx="4096870" cy="584775"/>
           </a:xfrm>
+          <a:prstGeom prst="rect">
+            <a:avLst/>
+          </a:prstGeom>
+          <a:noFill/>
         </p:spPr>
         <p:txBody>
-          <a:bodyPr>
-            <a:noAutofit/>
+          <a:bodyPr wrap="square" rtlCol="0">
+            <a:spAutoFit/>
           </a:bodyPr>
           <a:lstStyle/>
           <a:p>
-            <a:pPr marL="285750" indent="-285750" algn="just">
-              <a:buFont typeface="Arial" panose="020B0604020202020204" pitchFamily="34" charset="0"/>
-              <a:buChar char="•"/>
-            </a:pPr>
-            <a:r>
-              <a:rPr lang="en-US" sz="2000" dirty="0" err="1" smtClean="0">
-                <a:solidFill>
-                  <a:srgbClr val="595959"/>
-                </a:solidFill>
+            <a:r>
+              <a:rPr lang="uk-UA" sz="3200" dirty="0" smtClean="0">
                 <a:latin typeface="Montserrat ExtraLight" panose="00000300000000000000" pitchFamily="2" charset="-52"/>
-                <a:ea typeface="Roboto Light" panose="02000000000000000000" pitchFamily="2" charset="0"/>
-                <a:cs typeface="Roboto Light" panose="02000000000000000000" pitchFamily="2" charset="0"/>
-              </a:rPr>
-              <a:t>ChatFrame</a:t>
-            </a:r>
-            <a:endParaRPr lang="en-US" sz="2000" dirty="0" smtClean="0">
-              <a:solidFill>
-                <a:srgbClr val="595959"/>
-              </a:solidFill>
+              </a:rPr>
+              <a:t>Час шифрування</a:t>
+            </a:r>
+            <a:endParaRPr lang="ru-RU" sz="3200" dirty="0">
               <a:latin typeface="Montserrat ExtraLight" panose="00000300000000000000" pitchFamily="2" charset="-52"/>
-              <a:ea typeface="Roboto Light" panose="02000000000000000000" pitchFamily="2" charset="0"/>
-              <a:cs typeface="Roboto Light" panose="02000000000000000000" pitchFamily="2" charset="0"/>
-            </a:endParaRPr>
-          </a:p>
-          <a:p>
-            <a:pPr marL="285750" indent="-285750" algn="just">
-              <a:buFont typeface="Arial" panose="020B0604020202020204" pitchFamily="34" charset="0"/>
-              <a:buChar char="•"/>
-            </a:pPr>
-            <a:r>
-              <a:rPr lang="en-US" sz="2000" dirty="0" err="1" smtClean="0">
-                <a:solidFill>
-                  <a:srgbClr val="595959"/>
-                </a:solidFill>
-                <a:latin typeface="Montserrat ExtraLight" panose="00000300000000000000" pitchFamily="2" charset="-52"/>
-                <a:ea typeface="Roboto Light" panose="02000000000000000000" pitchFamily="2" charset="0"/>
-                <a:cs typeface="Roboto Light" panose="02000000000000000000" pitchFamily="2" charset="0"/>
-              </a:rPr>
-              <a:t>SocketClient</a:t>
-            </a:r>
-            <a:endParaRPr lang="en-US" sz="2000" dirty="0" smtClean="0">
-              <a:solidFill>
-                <a:srgbClr val="595959"/>
-              </a:solidFill>
-              <a:latin typeface="Montserrat ExtraLight" panose="00000300000000000000" pitchFamily="2" charset="-52"/>
-              <a:ea typeface="Roboto Light" panose="02000000000000000000" pitchFamily="2" charset="0"/>
-              <a:cs typeface="Roboto Light" panose="02000000000000000000" pitchFamily="2" charset="0"/>
-            </a:endParaRPr>
-          </a:p>
-          <a:p>
-            <a:pPr marL="285750" indent="-285750" algn="just">
-              <a:buFont typeface="Arial" panose="020B0604020202020204" pitchFamily="34" charset="0"/>
-              <a:buChar char="•"/>
-            </a:pPr>
-            <a:r>
-              <a:rPr lang="en-US" sz="2000" dirty="0" err="1" smtClean="0">
-                <a:solidFill>
-                  <a:srgbClr val="595959"/>
-                </a:solidFill>
-                <a:latin typeface="Montserrat ExtraLight" panose="00000300000000000000" pitchFamily="2" charset="-52"/>
-                <a:ea typeface="Roboto Light" panose="02000000000000000000" pitchFamily="2" charset="0"/>
-                <a:cs typeface="Roboto Light" panose="02000000000000000000" pitchFamily="2" charset="0"/>
-              </a:rPr>
-              <a:t>HistoryFrame</a:t>
-            </a:r>
-            <a:endParaRPr lang="en-US" sz="2000" dirty="0" smtClean="0">
-              <a:solidFill>
-                <a:srgbClr val="595959"/>
-              </a:solidFill>
-              <a:latin typeface="Montserrat ExtraLight" panose="00000300000000000000" pitchFamily="2" charset="-52"/>
-              <a:ea typeface="Roboto Light" panose="02000000000000000000" pitchFamily="2" charset="0"/>
-              <a:cs typeface="Roboto Light" panose="02000000000000000000" pitchFamily="2" charset="0"/>
-            </a:endParaRPr>
-          </a:p>
-          <a:p>
-            <a:pPr marL="285750" indent="-285750" algn="just">
-              <a:buFont typeface="Arial" panose="020B0604020202020204" pitchFamily="34" charset="0"/>
-              <a:buChar char="•"/>
-            </a:pPr>
-            <a:r>
-              <a:rPr lang="en-US" sz="2000" dirty="0" smtClean="0">
-                <a:solidFill>
-                  <a:srgbClr val="595959"/>
-                </a:solidFill>
-                <a:latin typeface="Montserrat ExtraLight" panose="00000300000000000000" pitchFamily="2" charset="-52"/>
-                <a:ea typeface="Roboto Light" panose="02000000000000000000" pitchFamily="2" charset="0"/>
-                <a:cs typeface="Roboto Light" panose="02000000000000000000" pitchFamily="2" charset="0"/>
-              </a:rPr>
-              <a:t>History</a:t>
-            </a:r>
-          </a:p>
-          <a:p>
-            <a:pPr marL="285750" indent="-285750" algn="just">
-              <a:buFont typeface="Arial" panose="020B0604020202020204" pitchFamily="34" charset="0"/>
-              <a:buChar char="•"/>
-            </a:pPr>
-            <a:r>
-              <a:rPr lang="en-US" sz="2000" dirty="0" smtClean="0">
-                <a:solidFill>
-                  <a:srgbClr val="595959"/>
-                </a:solidFill>
-                <a:latin typeface="Montserrat ExtraLight" panose="00000300000000000000" pitchFamily="2" charset="-52"/>
-                <a:ea typeface="Roboto Light" panose="02000000000000000000" pitchFamily="2" charset="0"/>
-                <a:cs typeface="Roboto Light" panose="02000000000000000000" pitchFamily="2" charset="0"/>
-              </a:rPr>
-              <a:t>Message</a:t>
-            </a:r>
-          </a:p>
-          <a:p>
-            <a:pPr marL="285750" indent="-285750" algn="just">
-              <a:buFont typeface="Arial" panose="020B0604020202020204" pitchFamily="34" charset="0"/>
-              <a:buChar char="•"/>
-            </a:pPr>
-            <a:r>
-              <a:rPr lang="en-US" sz="2000" dirty="0" smtClean="0">
-                <a:solidFill>
-                  <a:srgbClr val="595959"/>
-                </a:solidFill>
-                <a:latin typeface="Montserrat ExtraLight" panose="00000300000000000000" pitchFamily="2" charset="-52"/>
-                <a:ea typeface="Roboto Light" panose="02000000000000000000" pitchFamily="2" charset="0"/>
-                <a:cs typeface="Roboto Light" panose="02000000000000000000" pitchFamily="2" charset="0"/>
-              </a:rPr>
-              <a:t>Upload</a:t>
-            </a:r>
-          </a:p>
-          <a:p>
-            <a:pPr marL="285750" indent="-285750" algn="just">
-              <a:buFont typeface="Arial" panose="020B0604020202020204" pitchFamily="34" charset="0"/>
-              <a:buChar char="•"/>
-            </a:pPr>
-            <a:r>
-              <a:rPr lang="en-US" sz="2000" dirty="0" smtClean="0">
-                <a:solidFill>
-                  <a:srgbClr val="595959"/>
-                </a:solidFill>
-                <a:latin typeface="Montserrat ExtraLight" panose="00000300000000000000" pitchFamily="2" charset="-52"/>
-                <a:ea typeface="Roboto Light" panose="02000000000000000000" pitchFamily="2" charset="0"/>
-                <a:cs typeface="Roboto Light" panose="02000000000000000000" pitchFamily="2" charset="0"/>
-              </a:rPr>
-              <a:t>Download</a:t>
-            </a:r>
-            <a:endParaRPr lang="ru-RU" sz="2000" dirty="0">
-              <a:solidFill>
-                <a:srgbClr val="595959"/>
-              </a:solidFill>
-              <a:latin typeface="Montserrat ExtraLight" panose="00000300000000000000" pitchFamily="2" charset="-52"/>
-              <a:ea typeface="Roboto Light" panose="02000000000000000000" pitchFamily="2" charset="0"/>
-              <a:cs typeface="Roboto Light" panose="02000000000000000000" pitchFamily="2" charset="0"/>
             </a:endParaRPr>
           </a:p>
         </p:txBody>
@@ -6730,7 +6864,7 @@
     </p:spTree>
     <p:extLst>
       <p:ext uri="{BB962C8B-B14F-4D97-AF65-F5344CB8AC3E}">
-        <p14:creationId xmlns:p14="http://schemas.microsoft.com/office/powerpoint/2010/main" val="2623283849"/>
+        <p14:creationId xmlns:p14="http://schemas.microsoft.com/office/powerpoint/2010/main" val="3750382796"/>
       </p:ext>
     </p:extLst>
   </p:cSld>
@@ -6764,51 +6898,6 @@
           <a:chExt cx="0" cy="0"/>
         </a:xfrm>
       </p:grpSpPr>
-      <p:sp>
-        <p:nvSpPr>
-          <p:cNvPr id="2" name="Заголовок 1"/>
-          <p:cNvSpPr>
-            <a:spLocks noGrp="1"/>
-          </p:cNvSpPr>
-          <p:nvPr>
-            <p:ph type="title"/>
-          </p:nvPr>
-        </p:nvSpPr>
-        <p:spPr>
-          <a:xfrm>
-            <a:off x="1127260" y="3899263"/>
-            <a:ext cx="4167551" cy="1371600"/>
-          </a:xfrm>
-        </p:spPr>
-        <p:txBody>
-          <a:bodyPr>
-            <a:normAutofit/>
-          </a:bodyPr>
-          <a:lstStyle/>
-          <a:p>
-            <a:pPr algn="l"/>
-            <a:r>
-              <a:rPr lang="uk-UA" sz="4000" dirty="0">
-                <a:solidFill>
-                  <a:srgbClr val="30ACEC"/>
-                </a:solidFill>
-                <a:latin typeface="Montserrat ExtraLight" panose="00000300000000000000" pitchFamily="2" charset="-52"/>
-                <a:ea typeface="Roboto Light" panose="02000000000000000000" pitchFamily="2" charset="0"/>
-                <a:cs typeface="Roboto Light" panose="02000000000000000000" pitchFamily="2" charset="0"/>
-              </a:rPr>
-              <a:t>Запуск серверу</a:t>
-            </a:r>
-            <a:endParaRPr lang="ru-RU" sz="4000" dirty="0">
-              <a:solidFill>
-                <a:srgbClr val="30ACEC"/>
-              </a:solidFill>
-              <a:latin typeface="Montserrat ExtraLight" panose="00000300000000000000" pitchFamily="2" charset="-52"/>
-              <a:ea typeface="Roboto Light" panose="02000000000000000000" pitchFamily="2" charset="0"/>
-              <a:cs typeface="Roboto Light" panose="02000000000000000000" pitchFamily="2" charset="0"/>
-            </a:endParaRPr>
-          </a:p>
-        </p:txBody>
-      </p:sp>
       <p:pic>
         <p:nvPicPr>
           <p:cNvPr id="7" name="Рисунок 6"/>
@@ -6818,25 +6907,65 @@
           <p:nvPr/>
         </p:nvPicPr>
         <p:blipFill>
-          <a:blip r:embed="rId2"/>
+          <a:blip r:embed="rId2">
+            <a:extLst>
+              <a:ext uri="{28A0092B-C50C-407E-A947-70E740481C1C}">
+                <a14:useLocalDpi xmlns:a14="http://schemas.microsoft.com/office/drawing/2010/main" val="0"/>
+              </a:ext>
+            </a:extLst>
+          </a:blip>
           <a:stretch>
             <a:fillRect/>
           </a:stretch>
         </p:blipFill>
         <p:spPr>
           <a:xfrm>
-            <a:off x="6060757" y="634093"/>
-            <a:ext cx="5514975" cy="3657600"/>
+            <a:off x="2501153" y="1133322"/>
+            <a:ext cx="8144062" cy="5250295"/>
           </a:xfrm>
           <a:prstGeom prst="rect">
             <a:avLst/>
           </a:prstGeom>
         </p:spPr>
       </p:pic>
+      <p:sp>
+        <p:nvSpPr>
+          <p:cNvPr id="8" name="TextBox 7"/>
+          <p:cNvSpPr txBox="1"/>
+          <p:nvPr/>
+        </p:nvSpPr>
+        <p:spPr>
+          <a:xfrm>
+            <a:off x="4796118" y="618565"/>
+            <a:ext cx="4473387" cy="584775"/>
+          </a:xfrm>
+          <a:prstGeom prst="rect">
+            <a:avLst/>
+          </a:prstGeom>
+          <a:noFill/>
+        </p:spPr>
+        <p:txBody>
+          <a:bodyPr wrap="square" rtlCol="0">
+            <a:spAutoFit/>
+          </a:bodyPr>
+          <a:lstStyle/>
+          <a:p>
+            <a:r>
+              <a:rPr lang="uk-UA" sz="3200" dirty="0" smtClean="0">
+                <a:latin typeface="Montserrat ExtraLight" panose="00000300000000000000" pitchFamily="2" charset="-52"/>
+              </a:rPr>
+              <a:t>Час дешифрування</a:t>
+            </a:r>
+            <a:endParaRPr lang="ru-RU" sz="3200" dirty="0">
+              <a:latin typeface="Montserrat ExtraLight" panose="00000300000000000000" pitchFamily="2" charset="-52"/>
+            </a:endParaRPr>
+          </a:p>
+        </p:txBody>
+      </p:sp>
     </p:spTree>
     <p:extLst>
       <p:ext uri="{BB962C8B-B14F-4D97-AF65-F5344CB8AC3E}">
-        <p14:creationId xmlns:p14="http://schemas.microsoft.com/office/powerpoint/2010/main" val="3826651014"/>
+        <p14:creationId xmlns:p14="http://schemas.microsoft.com/office/powerpoint/2010/main" val="3800789164"/>
       </p:ext>
     </p:extLst>
   </p:cSld>
@@ -6870,80 +6999,13 @@
           <a:chExt cx="0" cy="0"/>
         </a:xfrm>
       </p:grpSpPr>
-      <p:sp>
-        <p:nvSpPr>
-          <p:cNvPr id="2" name="Заголовок 1"/>
-          <p:cNvSpPr>
-            <a:spLocks noGrp="1"/>
-          </p:cNvSpPr>
-          <p:nvPr>
-            <p:ph type="title"/>
-          </p:nvPr>
-        </p:nvSpPr>
-        <p:spPr>
-          <a:xfrm>
-            <a:off x="1484312" y="1600200"/>
-            <a:ext cx="3549121" cy="1996440"/>
-          </a:xfrm>
-        </p:spPr>
-        <p:txBody>
-          <a:bodyPr>
-            <a:normAutofit fontScale="90000"/>
-          </a:bodyPr>
-          <a:lstStyle/>
-          <a:p>
-            <a:pPr algn="l"/>
-            <a:r>
-              <a:rPr lang="uk-UA" sz="4000" dirty="0">
-                <a:solidFill>
-                  <a:srgbClr val="30ACEC"/>
-                </a:solidFill>
-                <a:latin typeface="Montserrat ExtraLight" panose="00000300000000000000" pitchFamily="2" charset="-52"/>
-                <a:ea typeface="Roboto Light" panose="02000000000000000000" pitchFamily="2" charset="0"/>
-                <a:cs typeface="Roboto Light" panose="02000000000000000000" pitchFamily="2" charset="0"/>
-              </a:rPr>
-              <a:t>Підключення</a:t>
-            </a:r>
-            <a:r>
-              <a:rPr lang="uk-UA" dirty="0" smtClean="0">
-                <a:solidFill>
-                  <a:srgbClr val="30ACEC"/>
-                </a:solidFill>
-                <a:latin typeface="Montserrat ExtraLight" panose="00000300000000000000" pitchFamily="2" charset="-52"/>
-              </a:rPr>
-              <a:t> </a:t>
-            </a:r>
-            <a:r>
-              <a:rPr lang="uk-UA" sz="4000" dirty="0">
-                <a:solidFill>
-                  <a:srgbClr val="30ACEC"/>
-                </a:solidFill>
-                <a:latin typeface="Montserrat ExtraLight" panose="00000300000000000000" pitchFamily="2" charset="-52"/>
-                <a:ea typeface="Roboto Light" panose="02000000000000000000" pitchFamily="2" charset="0"/>
-                <a:cs typeface="Roboto Light" panose="02000000000000000000" pitchFamily="2" charset="0"/>
-              </a:rPr>
-              <a:t>користувача до серверу</a:t>
-            </a:r>
-            <a:endParaRPr lang="ru-RU" sz="4000" dirty="0">
-              <a:solidFill>
-                <a:srgbClr val="30ACEC"/>
-              </a:solidFill>
-              <a:latin typeface="Montserrat ExtraLight" panose="00000300000000000000" pitchFamily="2" charset="-52"/>
-              <a:ea typeface="Roboto Light" panose="02000000000000000000" pitchFamily="2" charset="0"/>
-              <a:cs typeface="Roboto Light" panose="02000000000000000000" pitchFamily="2" charset="0"/>
-            </a:endParaRPr>
-          </a:p>
-        </p:txBody>
-      </p:sp>
       <p:pic>
         <p:nvPicPr>
-          <p:cNvPr id="7" name="Объект 6"/>
+          <p:cNvPr id="8" name="Рисунок 7"/>
           <p:cNvPicPr>
-            <a:picLocks noGrp="1" noChangeAspect="1"/>
+            <a:picLocks noChangeAspect="1"/>
           </p:cNvPicPr>
-          <p:nvPr>
-            <p:ph idx="1"/>
-          </p:nvPr>
+          <p:nvPr/>
         </p:nvPicPr>
         <p:blipFill>
           <a:blip r:embed="rId2"/>
@@ -6953,18 +7015,287 @@
         </p:blipFill>
         <p:spPr>
           <a:xfrm>
-            <a:off x="5601494" y="738187"/>
-            <a:ext cx="5562600" cy="5000625"/>
+            <a:off x="3254188" y="155821"/>
+            <a:ext cx="8732142" cy="2337159"/>
           </a:xfrm>
           <a:prstGeom prst="rect">
             <a:avLst/>
           </a:prstGeom>
         </p:spPr>
       </p:pic>
+      <p:pic>
+        <p:nvPicPr>
+          <p:cNvPr id="9" name="Рисунок 8"/>
+          <p:cNvPicPr>
+            <a:picLocks noChangeAspect="1"/>
+          </p:cNvPicPr>
+          <p:nvPr/>
+        </p:nvPicPr>
+        <p:blipFill>
+          <a:blip r:embed="rId3">
+            <a:extLst>
+              <a:ext uri="{28A0092B-C50C-407E-A947-70E740481C1C}">
+                <a14:useLocalDpi xmlns:a14="http://schemas.microsoft.com/office/drawing/2010/main" val="0"/>
+              </a:ext>
+            </a:extLst>
+          </a:blip>
+          <a:stretch>
+            <a:fillRect/>
+          </a:stretch>
+        </p:blipFill>
+        <p:spPr>
+          <a:xfrm>
+            <a:off x="5688998" y="2613371"/>
+            <a:ext cx="6297332" cy="4059749"/>
+          </a:xfrm>
+          <a:prstGeom prst="rect">
+            <a:avLst/>
+          </a:prstGeom>
+        </p:spPr>
+      </p:pic>
+      <p:sp>
+        <p:nvSpPr>
+          <p:cNvPr id="10" name="TextBox 9"/>
+          <p:cNvSpPr txBox="1"/>
+          <p:nvPr/>
+        </p:nvSpPr>
+        <p:spPr>
+          <a:xfrm>
+            <a:off x="1288580" y="5145269"/>
+            <a:ext cx="3342582" cy="1200329"/>
+          </a:xfrm>
+          <a:prstGeom prst="rect">
+            <a:avLst/>
+          </a:prstGeom>
+          <a:noFill/>
+        </p:spPr>
+        <p:txBody>
+          <a:bodyPr wrap="none" rtlCol="0">
+            <a:spAutoFit/>
+          </a:bodyPr>
+          <a:lstStyle/>
+          <a:p>
+            <a:pPr algn="r"/>
+            <a:r>
+              <a:rPr lang="ru-RU" sz="2400" dirty="0">
+                <a:latin typeface="Montserrat ExtraLight" panose="00000300000000000000" pitchFamily="2" charset="-52"/>
+              </a:rPr>
+              <a:t>Час </a:t>
+            </a:r>
+            <a:r>
+              <a:rPr lang="ru-RU" sz="2400" dirty="0" err="1">
+                <a:latin typeface="Montserrat ExtraLight" panose="00000300000000000000" pitchFamily="2" charset="-52"/>
+              </a:rPr>
+              <a:t>дешифрування</a:t>
+            </a:r>
+            <a:r>
+              <a:rPr lang="ru-RU" sz="2400" dirty="0">
+                <a:latin typeface="Montserrat ExtraLight" panose="00000300000000000000" pitchFamily="2" charset="-52"/>
+              </a:rPr>
+              <a:t> </a:t>
+            </a:r>
+            <a:endParaRPr lang="ru-RU" sz="2400" dirty="0" smtClean="0">
+              <a:latin typeface="Montserrat ExtraLight" panose="00000300000000000000" pitchFamily="2" charset="-52"/>
+            </a:endParaRPr>
+          </a:p>
+          <a:p>
+            <a:pPr algn="r"/>
+            <a:r>
+              <a:rPr lang="ru-RU" sz="2400" dirty="0" smtClean="0">
+                <a:latin typeface="Montserrat ExtraLight" panose="00000300000000000000" pitchFamily="2" charset="-52"/>
+              </a:rPr>
+              <a:t>в </a:t>
+            </a:r>
+            <a:r>
+              <a:rPr lang="ru-RU" sz="2400" dirty="0" err="1">
+                <a:latin typeface="Montserrat ExtraLight" panose="00000300000000000000" pitchFamily="2" charset="-52"/>
+              </a:rPr>
+              <a:t>залежності</a:t>
+            </a:r>
+            <a:r>
+              <a:rPr lang="ru-RU" sz="2400" dirty="0">
+                <a:latin typeface="Montserrat ExtraLight" panose="00000300000000000000" pitchFamily="2" charset="-52"/>
+              </a:rPr>
+              <a:t> </a:t>
+            </a:r>
+            <a:r>
+              <a:rPr lang="ru-RU" sz="2400" dirty="0" err="1">
+                <a:latin typeface="Montserrat ExtraLight" panose="00000300000000000000" pitchFamily="2" charset="-52"/>
+              </a:rPr>
+              <a:t>від</a:t>
+            </a:r>
+            <a:r>
+              <a:rPr lang="ru-RU" sz="2400" dirty="0">
+                <a:latin typeface="Montserrat ExtraLight" panose="00000300000000000000" pitchFamily="2" charset="-52"/>
+              </a:rPr>
+              <a:t> </a:t>
+            </a:r>
+            <a:endParaRPr lang="ru-RU" sz="2400" dirty="0" smtClean="0">
+              <a:latin typeface="Montserrat ExtraLight" panose="00000300000000000000" pitchFamily="2" charset="-52"/>
+            </a:endParaRPr>
+          </a:p>
+          <a:p>
+            <a:pPr algn="r"/>
+            <a:r>
+              <a:rPr lang="ru-RU" sz="2400" dirty="0" err="1" smtClean="0">
+                <a:latin typeface="Montserrat ExtraLight" panose="00000300000000000000" pitchFamily="2" charset="-52"/>
+              </a:rPr>
+              <a:t>розміру</a:t>
+            </a:r>
+            <a:r>
+              <a:rPr lang="ru-RU" sz="2400" dirty="0" smtClean="0">
+                <a:latin typeface="Montserrat ExtraLight" panose="00000300000000000000" pitchFamily="2" charset="-52"/>
+              </a:rPr>
+              <a:t> </a:t>
+            </a:r>
+            <a:r>
+              <a:rPr lang="ru-RU" sz="2400" dirty="0">
+                <a:latin typeface="Montserrat ExtraLight" panose="00000300000000000000" pitchFamily="2" charset="-52"/>
+              </a:rPr>
+              <a:t>файлу</a:t>
+            </a:r>
+          </a:p>
+        </p:txBody>
+      </p:sp>
+      <p:sp>
+        <p:nvSpPr>
+          <p:cNvPr id="11" name="TextBox 10"/>
+          <p:cNvSpPr txBox="1"/>
+          <p:nvPr/>
+        </p:nvSpPr>
+        <p:spPr>
+          <a:xfrm>
+            <a:off x="1853357" y="3321993"/>
+            <a:ext cx="3127779" cy="1200329"/>
+          </a:xfrm>
+          <a:prstGeom prst="rect">
+            <a:avLst/>
+          </a:prstGeom>
+          <a:noFill/>
+        </p:spPr>
+        <p:txBody>
+          <a:bodyPr wrap="none" rtlCol="0">
+            <a:spAutoFit/>
+          </a:bodyPr>
+          <a:lstStyle/>
+          <a:p>
+            <a:pPr algn="r"/>
+            <a:r>
+              <a:rPr lang="ru-RU" sz="2400" dirty="0" err="1" smtClean="0">
+                <a:latin typeface="Montserrat ExtraLight" panose="00000300000000000000" pitchFamily="2" charset="-52"/>
+              </a:rPr>
+              <a:t>Порівняння</a:t>
+            </a:r>
+            <a:endParaRPr lang="ru-RU" sz="2400" dirty="0" smtClean="0">
+              <a:latin typeface="Montserrat ExtraLight" panose="00000300000000000000" pitchFamily="2" charset="-52"/>
+            </a:endParaRPr>
+          </a:p>
+          <a:p>
+            <a:pPr algn="r"/>
+            <a:r>
+              <a:rPr lang="ru-RU" sz="2400" dirty="0" err="1" smtClean="0">
+                <a:latin typeface="Montserrat ExtraLight" panose="00000300000000000000" pitchFamily="2" charset="-52"/>
+              </a:rPr>
+              <a:t>використовуваної</a:t>
+            </a:r>
+            <a:endParaRPr lang="ru-RU" sz="2400" dirty="0" smtClean="0">
+              <a:latin typeface="Montserrat ExtraLight" panose="00000300000000000000" pitchFamily="2" charset="-52"/>
+            </a:endParaRPr>
+          </a:p>
+          <a:p>
+            <a:pPr algn="r"/>
+            <a:r>
+              <a:rPr lang="ru-RU" sz="2400" dirty="0" err="1" smtClean="0">
+                <a:latin typeface="Montserrat ExtraLight" panose="00000300000000000000" pitchFamily="2" charset="-52"/>
+              </a:rPr>
+              <a:t>пам'яті</a:t>
+            </a:r>
+            <a:endParaRPr lang="ru-RU" sz="2400" dirty="0">
+              <a:latin typeface="Montserrat ExtraLight" panose="00000300000000000000" pitchFamily="2" charset="-52"/>
+            </a:endParaRPr>
+          </a:p>
+        </p:txBody>
+      </p:sp>
+      <p:sp>
+        <p:nvSpPr>
+          <p:cNvPr id="12" name="Стрелка вниз 11"/>
+          <p:cNvSpPr/>
+          <p:nvPr/>
+        </p:nvSpPr>
+        <p:spPr>
+          <a:xfrm rot="10800000">
+            <a:off x="4237065" y="2613371"/>
+            <a:ext cx="394097" cy="605589"/>
+          </a:xfrm>
+          <a:prstGeom prst="downArrow">
+            <a:avLst/>
+          </a:prstGeom>
+        </p:spPr>
+        <p:style>
+          <a:lnRef idx="2">
+            <a:schemeClr val="accent1"/>
+          </a:lnRef>
+          <a:fillRef idx="1">
+            <a:schemeClr val="lt1"/>
+          </a:fillRef>
+          <a:effectRef idx="0">
+            <a:schemeClr val="accent1"/>
+          </a:effectRef>
+          <a:fontRef idx="minor">
+            <a:schemeClr val="dk1"/>
+          </a:fontRef>
+        </p:style>
+        <p:txBody>
+          <a:bodyPr rtlCol="0" anchor="ctr"/>
+          <a:lstStyle/>
+          <a:p>
+            <a:pPr algn="ctr"/>
+            <a:endParaRPr lang="ru-RU"/>
+          </a:p>
+        </p:txBody>
+      </p:sp>
+      <p:sp>
+        <p:nvSpPr>
+          <p:cNvPr id="13" name="Стрелка вниз 12"/>
+          <p:cNvSpPr/>
+          <p:nvPr/>
+        </p:nvSpPr>
+        <p:spPr>
+          <a:xfrm rot="16200000">
+            <a:off x="4891489" y="5245590"/>
+            <a:ext cx="394097" cy="605589"/>
+          </a:xfrm>
+          <a:prstGeom prst="downArrow">
+            <a:avLst/>
+          </a:prstGeom>
+        </p:spPr>
+        <p:style>
+          <a:lnRef idx="2">
+            <a:schemeClr val="accent1"/>
+          </a:lnRef>
+          <a:fillRef idx="1">
+            <a:schemeClr val="lt1"/>
+          </a:fillRef>
+          <a:effectRef idx="0">
+            <a:schemeClr val="accent1"/>
+          </a:effectRef>
+          <a:fontRef idx="minor">
+            <a:schemeClr val="dk1"/>
+          </a:fontRef>
+        </p:style>
+        <p:txBody>
+          <a:bodyPr rtlCol="0" anchor="ctr"/>
+          <a:lstStyle/>
+          <a:p>
+            <a:pPr algn="ctr"/>
+            <a:endParaRPr lang="ru-RU"/>
+          </a:p>
+        </p:txBody>
+      </p:sp>
     </p:spTree>
     <p:extLst>
       <p:ext uri="{BB962C8B-B14F-4D97-AF65-F5344CB8AC3E}">
-        <p14:creationId xmlns:p14="http://schemas.microsoft.com/office/powerpoint/2010/main" val="1454099479"/>
+        <p14:creationId xmlns:p14="http://schemas.microsoft.com/office/powerpoint/2010/main" val="3793561789"/>
       </p:ext>
     </p:extLst>
   </p:cSld>
@@ -6998,57 +7329,13 @@
           <a:chExt cx="0" cy="0"/>
         </a:xfrm>
       </p:grpSpPr>
-      <p:sp>
-        <p:nvSpPr>
-          <p:cNvPr id="5" name="Заголовок 4"/>
-          <p:cNvSpPr>
-            <a:spLocks noGrp="1"/>
-          </p:cNvSpPr>
-          <p:nvPr>
-            <p:ph type="title"/>
-          </p:nvPr>
-        </p:nvSpPr>
-        <p:spPr>
-          <a:xfrm>
-            <a:off x="1484309" y="357051"/>
-            <a:ext cx="10018713" cy="1752599"/>
-          </a:xfrm>
-        </p:spPr>
-        <p:txBody>
-          <a:bodyPr/>
-          <a:lstStyle/>
-          <a:p>
-            <a:r>
-              <a:rPr lang="uk-UA" dirty="0" smtClean="0">
-                <a:solidFill>
-                  <a:srgbClr val="30ACEC"/>
-                </a:solidFill>
-                <a:latin typeface="Montserrat ExtraLight" panose="00000300000000000000" pitchFamily="2" charset="-52"/>
-                <a:ea typeface="Roboto Light" panose="02000000000000000000" pitchFamily="2" charset="0"/>
-                <a:cs typeface="Roboto Light" panose="02000000000000000000" pitchFamily="2" charset="0"/>
-              </a:rPr>
-              <a:t>Фрагмент діалогу</a:t>
-            </a:r>
-            <a:endParaRPr lang="ru-RU" dirty="0">
-              <a:solidFill>
-                <a:srgbClr val="30ACEC"/>
-              </a:solidFill>
-              <a:latin typeface="Montserrat ExtraLight" panose="00000300000000000000" pitchFamily="2" charset="-52"/>
-              <a:ea typeface="Roboto Light" panose="02000000000000000000" pitchFamily="2" charset="0"/>
-              <a:cs typeface="Roboto Light" panose="02000000000000000000" pitchFamily="2" charset="0"/>
-            </a:endParaRPr>
-          </a:p>
-        </p:txBody>
-      </p:sp>
       <p:pic>
         <p:nvPicPr>
-          <p:cNvPr id="7" name="Объект 6"/>
+          <p:cNvPr id="5" name="Рисунок 4"/>
           <p:cNvPicPr>
-            <a:picLocks noGrp="1" noChangeAspect="1"/>
+            <a:picLocks noChangeAspect="1"/>
           </p:cNvPicPr>
-          <p:nvPr>
-            <p:ph idx="1"/>
-          </p:nvPr>
+          <p:nvPr/>
         </p:nvPicPr>
         <p:blipFill>
           <a:blip r:embed="rId2"/>
@@ -7058,18 +7345,53 @@
         </p:blipFill>
         <p:spPr>
           <a:xfrm>
-            <a:off x="2421729" y="2109650"/>
-            <a:ext cx="8143875" cy="3552825"/>
+            <a:off x="5676339" y="251851"/>
+            <a:ext cx="4210050" cy="6372225"/>
           </a:xfrm>
           <a:prstGeom prst="rect">
             <a:avLst/>
           </a:prstGeom>
         </p:spPr>
       </p:pic>
+      <p:sp>
+        <p:nvSpPr>
+          <p:cNvPr id="6" name="TextBox 5"/>
+          <p:cNvSpPr txBox="1"/>
+          <p:nvPr/>
+        </p:nvSpPr>
+        <p:spPr>
+          <a:xfrm>
+            <a:off x="2070847" y="1488141"/>
+            <a:ext cx="3012142" cy="1569660"/>
+          </a:xfrm>
+          <a:prstGeom prst="rect">
+            <a:avLst/>
+          </a:prstGeom>
+          <a:noFill/>
+        </p:spPr>
+        <p:txBody>
+          <a:bodyPr wrap="square" rtlCol="0">
+            <a:spAutoFit/>
+          </a:bodyPr>
+          <a:lstStyle/>
+          <a:p>
+            <a:pPr algn="r"/>
+            <a:r>
+              <a:rPr lang="uk-UA" sz="3200" dirty="0" smtClean="0">
+                <a:latin typeface="Montserrat ExtraLight" panose="00000300000000000000" pitchFamily="2" charset="-52"/>
+              </a:rPr>
+              <a:t>Метод шифрування повідомлень</a:t>
+            </a:r>
+            <a:endParaRPr lang="ru-RU" sz="3200" dirty="0">
+              <a:latin typeface="Montserrat ExtraLight" panose="00000300000000000000" pitchFamily="2" charset="-52"/>
+            </a:endParaRPr>
+          </a:p>
+        </p:txBody>
+      </p:sp>
     </p:spTree>
     <p:extLst>
       <p:ext uri="{BB962C8B-B14F-4D97-AF65-F5344CB8AC3E}">
-        <p14:creationId xmlns:p14="http://schemas.microsoft.com/office/powerpoint/2010/main" val="3386269261"/>
+        <p14:creationId xmlns:p14="http://schemas.microsoft.com/office/powerpoint/2010/main" val="1222804981"/>
       </p:ext>
     </p:extLst>
   </p:cSld>
@@ -7164,7 +7486,9 @@
           </a:xfrm>
         </p:spPr>
         <p:txBody>
-          <a:bodyPr/>
+          <a:bodyPr>
+            <a:normAutofit fontScale="92500"/>
+          </a:bodyPr>
           <a:lstStyle/>
           <a:p>
             <a:pPr marL="342900" indent="-342900" algn="just">
@@ -7205,7 +7529,7 @@
               <a:buChar char="•"/>
             </a:pPr>
             <a:r>
-              <a:rPr lang="uk-UA" dirty="0">
+              <a:rPr lang="uk-UA" dirty="0" smtClean="0">
                 <a:solidFill>
                   <a:srgbClr val="595959"/>
                 </a:solidFill>
@@ -7213,10 +7537,10 @@
                 <a:ea typeface="Roboto Light" panose="02000000000000000000" pitchFamily="2" charset="0"/>
                 <a:cs typeface="Roboto Light" panose="02000000000000000000" pitchFamily="2" charset="0"/>
               </a:rPr>
-              <a:t>Проведено аналіз існуючих методів хешування паролів. Досліджені способи злому </a:t>
-            </a:r>
-            <a:r>
-              <a:rPr lang="uk-UA" dirty="0" err="1">
+              <a:t>Досліджені </a:t>
+            </a:r>
+            <a:r>
+              <a:rPr lang="uk-UA" dirty="0">
                 <a:solidFill>
                   <a:srgbClr val="595959"/>
                 </a:solidFill>
@@ -7224,10 +7548,10 @@
                 <a:ea typeface="Roboto Light" panose="02000000000000000000" pitchFamily="2" charset="0"/>
                 <a:cs typeface="Roboto Light" panose="02000000000000000000" pitchFamily="2" charset="0"/>
               </a:rPr>
-              <a:t>хешей</a:t>
-            </a:r>
-            <a:r>
-              <a:rPr lang="uk-UA" dirty="0">
+              <a:t>способи злому </a:t>
+            </a:r>
+            <a:r>
+              <a:rPr lang="uk-UA" dirty="0" err="1">
                 <a:solidFill>
                   <a:srgbClr val="595959"/>
                 </a:solidFill>
@@ -7235,10 +7559,10 @@
                 <a:ea typeface="Roboto Light" panose="02000000000000000000" pitchFamily="2" charset="0"/>
                 <a:cs typeface="Roboto Light" panose="02000000000000000000" pitchFamily="2" charset="0"/>
               </a:rPr>
-              <a:t>. Проведено аналіз технологій та методів розробки</a:t>
-            </a:r>
-            <a:r>
-              <a:rPr lang="uk-UA" dirty="0" smtClean="0">
+              <a:t>хешей</a:t>
+            </a:r>
+            <a:r>
+              <a:rPr lang="uk-UA" dirty="0">
                 <a:solidFill>
                   <a:srgbClr val="595959"/>
                 </a:solidFill>
@@ -7246,8 +7570,16 @@
                 <a:ea typeface="Roboto Light" panose="02000000000000000000" pitchFamily="2" charset="0"/>
                 <a:cs typeface="Roboto Light" panose="02000000000000000000" pitchFamily="2" charset="0"/>
               </a:rPr>
-              <a:t>.</a:t>
-            </a:r>
+              <a:t>. </a:t>
+            </a:r>
+            <a:endParaRPr lang="uk-UA" dirty="0" smtClean="0">
+              <a:solidFill>
+                <a:srgbClr val="595959"/>
+              </a:solidFill>
+              <a:latin typeface="Montserrat ExtraLight" panose="00000300000000000000" pitchFamily="2" charset="-52"/>
+              <a:ea typeface="Roboto Light" panose="02000000000000000000" pitchFamily="2" charset="0"/>
+              <a:cs typeface="Roboto Light" panose="02000000000000000000" pitchFamily="2" charset="0"/>
+            </a:endParaRPr>
           </a:p>
           <a:p>
             <a:pPr marL="342900" indent="-342900" algn="just">
@@ -7259,7 +7591,7 @@
               <a:buChar char="•"/>
             </a:pPr>
             <a:r>
-              <a:rPr lang="uk-UA" dirty="0">
+              <a:rPr lang="uk-UA" dirty="0" smtClean="0">
                 <a:solidFill>
                   <a:srgbClr val="595959"/>
                 </a:solidFill>
@@ -7267,7 +7599,200 @@
                 <a:ea typeface="Roboto Light" panose="02000000000000000000" pitchFamily="2" charset="0"/>
                 <a:cs typeface="Roboto Light" panose="02000000000000000000" pitchFamily="2" charset="0"/>
               </a:rPr>
-              <a:t>У проектному розділі були виконані розробку бази даних, з описом усіх таблиць і їх призначення, розроблено інтерфейс, створений власний алгоритм шифрування, спроектовано серверну і клієнтську частину веб-сервісу.</a:t>
+              <a:t>Результат дослідження було опубліковано у науковому збірнику «</a:t>
+            </a:r>
+            <a:r>
+              <a:rPr lang="ru-RU" dirty="0" err="1">
+                <a:solidFill>
+                  <a:srgbClr val="595959"/>
+                </a:solidFill>
+                <a:latin typeface="Montserrat ExtraLight" panose="00000300000000000000" pitchFamily="2" charset="-52"/>
+                <a:ea typeface="Roboto Light" panose="02000000000000000000" pitchFamily="2" charset="0"/>
+                <a:cs typeface="Roboto Light" panose="02000000000000000000" pitchFamily="2" charset="0"/>
+              </a:rPr>
+              <a:t>Системи</a:t>
+            </a:r>
+            <a:r>
+              <a:rPr lang="ru-RU" dirty="0">
+                <a:solidFill>
+                  <a:srgbClr val="595959"/>
+                </a:solidFill>
+                <a:latin typeface="Montserrat ExtraLight" panose="00000300000000000000" pitchFamily="2" charset="-52"/>
+                <a:ea typeface="Roboto Light" panose="02000000000000000000" pitchFamily="2" charset="0"/>
+                <a:cs typeface="Roboto Light" panose="02000000000000000000" pitchFamily="2" charset="0"/>
+              </a:rPr>
+              <a:t> </a:t>
+            </a:r>
+            <a:r>
+              <a:rPr lang="ru-RU" dirty="0" err="1">
+                <a:solidFill>
+                  <a:srgbClr val="595959"/>
+                </a:solidFill>
+                <a:latin typeface="Montserrat ExtraLight" panose="00000300000000000000" pitchFamily="2" charset="-52"/>
+                <a:ea typeface="Roboto Light" panose="02000000000000000000" pitchFamily="2" charset="0"/>
+                <a:cs typeface="Roboto Light" panose="02000000000000000000" pitchFamily="2" charset="0"/>
+              </a:rPr>
+              <a:t>управління</a:t>
+            </a:r>
+            <a:r>
+              <a:rPr lang="ru-RU" dirty="0">
+                <a:solidFill>
+                  <a:srgbClr val="595959"/>
+                </a:solidFill>
+                <a:latin typeface="Montserrat ExtraLight" panose="00000300000000000000" pitchFamily="2" charset="-52"/>
+                <a:ea typeface="Roboto Light" panose="02000000000000000000" pitchFamily="2" charset="0"/>
+                <a:cs typeface="Roboto Light" panose="02000000000000000000" pitchFamily="2" charset="0"/>
+              </a:rPr>
+              <a:t>, </a:t>
+            </a:r>
+            <a:r>
+              <a:rPr lang="ru-RU" dirty="0" err="1">
+                <a:solidFill>
+                  <a:srgbClr val="595959"/>
+                </a:solidFill>
+                <a:latin typeface="Montserrat ExtraLight" panose="00000300000000000000" pitchFamily="2" charset="-52"/>
+                <a:ea typeface="Roboto Light" panose="02000000000000000000" pitchFamily="2" charset="0"/>
+                <a:cs typeface="Roboto Light" panose="02000000000000000000" pitchFamily="2" charset="0"/>
+              </a:rPr>
+              <a:t>навігації</a:t>
+            </a:r>
+            <a:r>
+              <a:rPr lang="ru-RU" dirty="0">
+                <a:solidFill>
+                  <a:srgbClr val="595959"/>
+                </a:solidFill>
+                <a:latin typeface="Montserrat ExtraLight" panose="00000300000000000000" pitchFamily="2" charset="-52"/>
+                <a:ea typeface="Roboto Light" panose="02000000000000000000" pitchFamily="2" charset="0"/>
+                <a:cs typeface="Roboto Light" panose="02000000000000000000" pitchFamily="2" charset="0"/>
+              </a:rPr>
+              <a:t> та </a:t>
+            </a:r>
+            <a:r>
+              <a:rPr lang="ru-RU" dirty="0" err="1">
+                <a:solidFill>
+                  <a:srgbClr val="595959"/>
+                </a:solidFill>
+                <a:latin typeface="Montserrat ExtraLight" panose="00000300000000000000" pitchFamily="2" charset="-52"/>
+                <a:ea typeface="Roboto Light" panose="02000000000000000000" pitchFamily="2" charset="0"/>
+                <a:cs typeface="Roboto Light" panose="02000000000000000000" pitchFamily="2" charset="0"/>
+              </a:rPr>
+              <a:t>зв’язку</a:t>
+            </a:r>
+            <a:r>
+              <a:rPr lang="ru-RU" dirty="0">
+                <a:solidFill>
+                  <a:srgbClr val="595959"/>
+                </a:solidFill>
+                <a:latin typeface="Montserrat ExtraLight" panose="00000300000000000000" pitchFamily="2" charset="-52"/>
+                <a:ea typeface="Roboto Light" panose="02000000000000000000" pitchFamily="2" charset="0"/>
+                <a:cs typeface="Roboto Light" panose="02000000000000000000" pitchFamily="2" charset="0"/>
+              </a:rPr>
+              <a:t>, 2020, </a:t>
+            </a:r>
+            <a:r>
+              <a:rPr lang="ru-RU" dirty="0" err="1">
+                <a:solidFill>
+                  <a:srgbClr val="595959"/>
+                </a:solidFill>
+                <a:latin typeface="Montserrat ExtraLight" panose="00000300000000000000" pitchFamily="2" charset="-52"/>
+                <a:ea typeface="Roboto Light" panose="02000000000000000000" pitchFamily="2" charset="0"/>
+                <a:cs typeface="Roboto Light" panose="02000000000000000000" pitchFamily="2" charset="0"/>
+              </a:rPr>
+              <a:t>випуск</a:t>
+            </a:r>
+            <a:r>
+              <a:rPr lang="ru-RU" dirty="0">
+                <a:solidFill>
+                  <a:srgbClr val="595959"/>
+                </a:solidFill>
+                <a:latin typeface="Montserrat ExtraLight" panose="00000300000000000000" pitchFamily="2" charset="-52"/>
+                <a:ea typeface="Roboto Light" panose="02000000000000000000" pitchFamily="2" charset="0"/>
+                <a:cs typeface="Roboto Light" panose="02000000000000000000" pitchFamily="2" charset="0"/>
+              </a:rPr>
+              <a:t> 3(61)</a:t>
+            </a:r>
+            <a:r>
+              <a:rPr lang="uk-UA" dirty="0" smtClean="0">
+                <a:solidFill>
+                  <a:srgbClr val="595959"/>
+                </a:solidFill>
+                <a:latin typeface="Montserrat ExtraLight" panose="00000300000000000000" pitchFamily="2" charset="-52"/>
+                <a:ea typeface="Roboto Light" panose="02000000000000000000" pitchFamily="2" charset="0"/>
+                <a:cs typeface="Roboto Light" panose="02000000000000000000" pitchFamily="2" charset="0"/>
+              </a:rPr>
+              <a:t>» у вигляді статті.</a:t>
+            </a:r>
+          </a:p>
+          <a:p>
+            <a:pPr marL="342900" indent="-342900" algn="just">
+              <a:buClr>
+                <a:srgbClr val="404040"/>
+              </a:buClr>
+              <a:buSzPct val="100000"/>
+              <a:buFont typeface="Arial" panose="020B0604020202020204" pitchFamily="34" charset="0"/>
+              <a:buChar char="•"/>
+            </a:pPr>
+            <a:r>
+              <a:rPr lang="uk-UA" dirty="0" smtClean="0">
+                <a:solidFill>
+                  <a:srgbClr val="595959"/>
+                </a:solidFill>
+                <a:latin typeface="Montserrat ExtraLight" panose="00000300000000000000" pitchFamily="2" charset="-52"/>
+                <a:ea typeface="Roboto Light" panose="02000000000000000000" pitchFamily="2" charset="0"/>
+                <a:cs typeface="Roboto Light" panose="02000000000000000000" pitchFamily="2" charset="0"/>
+              </a:rPr>
+              <a:t>Створено метод шифрування повідомлень.</a:t>
+            </a:r>
+            <a:endParaRPr lang="uk-UA" dirty="0" smtClean="0">
+              <a:solidFill>
+                <a:srgbClr val="595959"/>
+              </a:solidFill>
+              <a:latin typeface="Montserrat ExtraLight" panose="00000300000000000000" pitchFamily="2" charset="-52"/>
+              <a:ea typeface="Roboto Light" panose="02000000000000000000" pitchFamily="2" charset="0"/>
+              <a:cs typeface="Roboto Light" panose="02000000000000000000" pitchFamily="2" charset="0"/>
+            </a:endParaRPr>
+          </a:p>
+          <a:p>
+            <a:pPr marL="342900" indent="-342900" algn="just">
+              <a:buClr>
+                <a:srgbClr val="404040"/>
+              </a:buClr>
+              <a:buSzPct val="100000"/>
+              <a:buFont typeface="Arial" panose="020B0604020202020204" pitchFamily="34" charset="0"/>
+              <a:buChar char="•"/>
+            </a:pPr>
+            <a:r>
+              <a:rPr lang="uk-UA" dirty="0">
+                <a:solidFill>
+                  <a:srgbClr val="595959"/>
+                </a:solidFill>
+                <a:latin typeface="Montserrat ExtraLight" panose="00000300000000000000" pitchFamily="2" charset="-52"/>
+                <a:ea typeface="Roboto Light" panose="02000000000000000000" pitchFamily="2" charset="0"/>
+                <a:cs typeface="Roboto Light" panose="02000000000000000000" pitchFamily="2" charset="0"/>
+              </a:rPr>
+              <a:t>У проектному розділі були виконані </a:t>
+            </a:r>
+            <a:r>
+              <a:rPr lang="uk-UA" dirty="0" smtClean="0">
+                <a:solidFill>
+                  <a:srgbClr val="595959"/>
+                </a:solidFill>
+                <a:latin typeface="Montserrat ExtraLight" panose="00000300000000000000" pitchFamily="2" charset="-52"/>
+                <a:ea typeface="Roboto Light" panose="02000000000000000000" pitchFamily="2" charset="0"/>
+                <a:cs typeface="Roboto Light" panose="02000000000000000000" pitchFamily="2" charset="0"/>
+              </a:rPr>
+              <a:t>розробка </a:t>
+            </a:r>
+            <a:r>
+              <a:rPr lang="uk-UA" dirty="0">
+                <a:solidFill>
+                  <a:srgbClr val="595959"/>
+                </a:solidFill>
+                <a:latin typeface="Montserrat ExtraLight" panose="00000300000000000000" pitchFamily="2" charset="-52"/>
+                <a:ea typeface="Roboto Light" panose="02000000000000000000" pitchFamily="2" charset="0"/>
+                <a:cs typeface="Roboto Light" panose="02000000000000000000" pitchFamily="2" charset="0"/>
+              </a:rPr>
+              <a:t>бази даних, з описом усіх таблиць і їх призначення, розроблено інтерфейс, створений власний алгоритм шифрування, спроектовано серверну і клієнтську частину веб-сервісу.</a:t>
             </a:r>
             <a:endParaRPr lang="ru-RU" dirty="0">
               <a:solidFill>
@@ -7399,18 +7924,7 @@
                 <a:ea typeface="Roboto Light" panose="02000000000000000000" pitchFamily="2" charset="0"/>
                 <a:cs typeface="Roboto Light" panose="02000000000000000000" pitchFamily="2" charset="0"/>
               </a:rPr>
-              <a:t>Дякую за </a:t>
-            </a:r>
-            <a:r>
-              <a:rPr lang="uk-UA" sz="5400" dirty="0" smtClean="0">
-                <a:solidFill>
-                  <a:srgbClr val="30ACEC"/>
-                </a:solidFill>
-                <a:latin typeface="Roboto Light" panose="02000000000000000000" pitchFamily="2" charset="0"/>
-                <a:ea typeface="Roboto Light" panose="02000000000000000000" pitchFamily="2" charset="0"/>
-                <a:cs typeface="Roboto Light" panose="02000000000000000000" pitchFamily="2" charset="0"/>
-              </a:rPr>
-              <a:t>увагу</a:t>
+              <a:t>Дякую за увагу</a:t>
             </a:r>
             <a:endParaRPr lang="ru-RU" sz="5400" dirty="0">
               <a:solidFill>
@@ -7468,8 +7982,8 @@
         </p:nvSpPr>
         <p:spPr>
           <a:xfrm>
-            <a:off x="1793965" y="783771"/>
-            <a:ext cx="9533942" cy="1015663"/>
+            <a:off x="1837508" y="677091"/>
+            <a:ext cx="4380412" cy="584775"/>
           </a:xfrm>
           <a:prstGeom prst="rect">
             <a:avLst/>
@@ -7484,36 +7998,12 @@
           <a:p>
             <a:pPr algn="just"/>
             <a:r>
-              <a:rPr lang="uk-UA" sz="2000" b="1" dirty="0" smtClean="0">
+              <a:rPr lang="uk-UA" sz="3200" b="1" dirty="0" smtClean="0">
                 <a:latin typeface="Montserrat ExtraLight" panose="00000300000000000000" pitchFamily="2" charset="-52"/>
               </a:rPr>
-              <a:t>Метою дипломної роботи є</a:t>
-            </a:r>
-            <a:r>
-              <a:rPr lang="uk-UA" sz="2000" dirty="0" smtClean="0">
-                <a:latin typeface="Montserrat ExtraLight" panose="00000300000000000000" pitchFamily="2" charset="-52"/>
-              </a:rPr>
-              <a:t>: </a:t>
-            </a:r>
-            <a:r>
-              <a:rPr lang="uk-UA" sz="2000" dirty="0">
-                <a:latin typeface="Montserrat ExtraLight" panose="00000300000000000000" pitchFamily="2" charset="-52"/>
-              </a:rPr>
-              <a:t>дослідження методів шифрування </a:t>
-            </a:r>
-            <a:r>
-              <a:rPr lang="uk-UA" sz="2000" dirty="0" smtClean="0">
-                <a:latin typeface="Montserrat ExtraLight" panose="00000300000000000000" pitchFamily="2" charset="-52"/>
-              </a:rPr>
-              <a:t>повідомлень </a:t>
-            </a:r>
-            <a:r>
-              <a:rPr lang="uk-UA" sz="2000" dirty="0">
-                <a:latin typeface="Montserrat ExtraLight" panose="00000300000000000000" pitchFamily="2" charset="-52"/>
-              </a:rPr>
-              <a:t>веб-сервісу інтернет листування та впровадження вдосконаленого методу шифрування до створюваного веб-сервісу.</a:t>
-            </a:r>
-            <a:endParaRPr lang="ru-RU" sz="2000" dirty="0">
+              <a:t>Безпека в інтернеті</a:t>
+            </a:r>
+            <a:endParaRPr lang="ru-RU" sz="3200" dirty="0">
               <a:latin typeface="Montserrat ExtraLight" panose="00000300000000000000" pitchFamily="2" charset="-52"/>
             </a:endParaRPr>
           </a:p>
@@ -7527,8 +8017,8 @@
         </p:nvSpPr>
         <p:spPr>
           <a:xfrm>
-            <a:off x="1793965" y="2386149"/>
-            <a:ext cx="9533942" cy="3170099"/>
+            <a:off x="1584959" y="4071258"/>
+            <a:ext cx="5172892" cy="1815882"/>
           </a:xfrm>
           <a:prstGeom prst="rect">
             <a:avLst/>
@@ -7541,132 +8031,167 @@
           </a:bodyPr>
           <a:lstStyle/>
           <a:p>
-            <a:r>
-              <a:rPr lang="uk-UA" sz="2000" b="1" dirty="0" smtClean="0">
+            <a:pPr lvl="0"/>
+            <a:r>
+              <a:rPr lang="uk-UA" sz="2800" b="1" dirty="0" smtClean="0">
                 <a:latin typeface="Montserrat ExtraLight" panose="00000300000000000000" pitchFamily="2" charset="-52"/>
               </a:rPr>
-              <a:t>Задачі розробки:</a:t>
-            </a:r>
-          </a:p>
-          <a:p>
-            <a:pPr marL="285750" lvl="0" indent="-285750" algn="just">
-              <a:buFont typeface="Arial" panose="020B0604020202020204" pitchFamily="34" charset="0"/>
-              <a:buChar char="•"/>
+              <a:t>Завдання шифрування:</a:t>
+            </a:r>
+          </a:p>
+          <a:p>
+            <a:pPr marL="285750" lvl="0" indent="-285750">
+              <a:buFont typeface="Courier New" panose="02070309020205020404" pitchFamily="49" charset="0"/>
+              <a:buChar char="o"/>
             </a:pPr>
             <a:r>
-              <a:rPr lang="uk-UA" sz="2000" dirty="0">
+              <a:rPr lang="uk-UA" sz="2800" dirty="0" smtClean="0">
                 <a:latin typeface="Montserrat ExtraLight" panose="00000300000000000000" pitchFamily="2" charset="-52"/>
               </a:rPr>
-              <a:t>провести дослідження існуючих методів шифрування, виділити основні переваги та недоліки кожного;</a:t>
-            </a:r>
-            <a:endParaRPr lang="ru-RU" sz="2000" dirty="0">
+              <a:t>Перевірка </a:t>
+            </a:r>
+            <a:r>
+              <a:rPr lang="uk-UA" sz="2800" dirty="0">
+                <a:latin typeface="Montserrat ExtraLight" panose="00000300000000000000" pitchFamily="2" charset="-52"/>
+              </a:rPr>
+              <a:t>особистості</a:t>
+            </a:r>
+            <a:endParaRPr lang="ru-RU" sz="2800" dirty="0">
               <a:latin typeface="Montserrat ExtraLight" panose="00000300000000000000" pitchFamily="2" charset="-52"/>
             </a:endParaRPr>
           </a:p>
           <a:p>
-            <a:pPr marL="285750" lvl="0" indent="-285750" algn="just">
-              <a:buFont typeface="Arial" panose="020B0604020202020204" pitchFamily="34" charset="0"/>
-              <a:buChar char="•"/>
+            <a:pPr marL="285750" lvl="0" indent="-285750">
+              <a:buFont typeface="Courier New" panose="02070309020205020404" pitchFamily="49" charset="0"/>
+              <a:buChar char="o"/>
             </a:pPr>
             <a:r>
-              <a:rPr lang="uk-UA" sz="2000" dirty="0">
+              <a:rPr lang="uk-UA" sz="2800" dirty="0">
                 <a:latin typeface="Montserrat ExtraLight" panose="00000300000000000000" pitchFamily="2" charset="-52"/>
               </a:rPr>
-              <a:t>провести аналіз існуючих методів хешування;</a:t>
-            </a:r>
-            <a:endParaRPr lang="ru-RU" sz="2000" dirty="0">
+              <a:t>Цілісність повідомлення</a:t>
+            </a:r>
+            <a:endParaRPr lang="ru-RU" sz="2800" dirty="0">
               <a:latin typeface="Montserrat ExtraLight" panose="00000300000000000000" pitchFamily="2" charset="-52"/>
             </a:endParaRPr>
           </a:p>
           <a:p>
-            <a:pPr marL="285750" lvl="0" indent="-285750" algn="just">
-              <a:buFont typeface="Arial" panose="020B0604020202020204" pitchFamily="34" charset="0"/>
-              <a:buChar char="•"/>
+            <a:pPr marL="285750" lvl="0" indent="-285750">
+              <a:buFont typeface="Courier New" panose="02070309020205020404" pitchFamily="49" charset="0"/>
+              <a:buChar char="o"/>
             </a:pPr>
             <a:r>
-              <a:rPr lang="uk-UA" sz="2000" dirty="0">
+              <a:rPr lang="uk-UA" sz="2800" dirty="0">
                 <a:latin typeface="Montserrat ExtraLight" panose="00000300000000000000" pitchFamily="2" charset="-52"/>
               </a:rPr>
-              <a:t>описати основні способи злому </a:t>
-            </a:r>
-            <a:r>
-              <a:rPr lang="uk-UA" sz="2000" dirty="0" err="1">
-                <a:latin typeface="Montserrat ExtraLight" panose="00000300000000000000" pitchFamily="2" charset="-52"/>
-              </a:rPr>
-              <a:t>хешей</a:t>
-            </a:r>
-            <a:r>
-              <a:rPr lang="uk-UA" sz="2000" dirty="0">
-                <a:latin typeface="Montserrat ExtraLight" panose="00000300000000000000" pitchFamily="2" charset="-52"/>
-              </a:rPr>
-              <a:t>;</a:t>
-            </a:r>
-            <a:endParaRPr lang="ru-RU" sz="2000" dirty="0">
+              <a:t>Конфіденційність</a:t>
+            </a:r>
+            <a:endParaRPr lang="ru-RU" sz="2800" dirty="0">
               <a:latin typeface="Montserrat ExtraLight" panose="00000300000000000000" pitchFamily="2" charset="-52"/>
             </a:endParaRPr>
           </a:p>
-          <a:p>
-            <a:pPr marL="285750" lvl="0" indent="-285750" algn="just">
-              <a:buFont typeface="Arial" panose="020B0604020202020204" pitchFamily="34" charset="0"/>
-              <a:buChar char="•"/>
+        </p:txBody>
+      </p:sp>
+      <p:sp>
+        <p:nvSpPr>
+          <p:cNvPr id="4" name="TextBox 3"/>
+          <p:cNvSpPr txBox="1"/>
+          <p:nvPr/>
+        </p:nvSpPr>
+        <p:spPr>
+          <a:xfrm>
+            <a:off x="6779622" y="4010298"/>
+            <a:ext cx="5172892" cy="1815882"/>
+          </a:xfrm>
+          <a:prstGeom prst="rect">
+            <a:avLst/>
+          </a:prstGeom>
+          <a:noFill/>
+        </p:spPr>
+        <p:txBody>
+          <a:bodyPr wrap="square" rtlCol="0">
+            <a:spAutoFit/>
+          </a:bodyPr>
+          <a:lstStyle/>
+          <a:p>
+            <a:pPr lvl="0"/>
+            <a:r>
+              <a:rPr lang="uk-UA" sz="2800" b="1" dirty="0" smtClean="0">
+                <a:latin typeface="Montserrat ExtraLight" panose="00000300000000000000" pitchFamily="2" charset="-52"/>
+              </a:rPr>
+              <a:t>Методи збереження інформації</a:t>
+            </a:r>
+          </a:p>
+          <a:p>
+            <a:pPr marL="285750" lvl="0" indent="-285750">
+              <a:buFont typeface="Courier New" panose="02070309020205020404" pitchFamily="49" charset="0"/>
+              <a:buChar char="o"/>
             </a:pPr>
             <a:r>
-              <a:rPr lang="uk-UA" sz="2000" dirty="0">
+              <a:rPr lang="uk-UA" sz="2800" dirty="0" smtClean="0">
                 <a:latin typeface="Montserrat ExtraLight" panose="00000300000000000000" pitchFamily="2" charset="-52"/>
               </a:rPr>
-              <a:t>провести аналіз використовуваних технологій та методів розробки;</a:t>
-            </a:r>
-            <a:endParaRPr lang="ru-RU" sz="2000" dirty="0">
+              <a:t>Хешування</a:t>
+            </a:r>
+          </a:p>
+          <a:p>
+            <a:pPr marL="285750" lvl="0" indent="-285750">
+              <a:buFont typeface="Courier New" panose="02070309020205020404" pitchFamily="49" charset="0"/>
+              <a:buChar char="o"/>
+            </a:pPr>
+            <a:r>
+              <a:rPr lang="uk-UA" sz="2800" dirty="0" smtClean="0">
+                <a:latin typeface="Montserrat ExtraLight" panose="00000300000000000000" pitchFamily="2" charset="-52"/>
+              </a:rPr>
+              <a:t>Шифрування</a:t>
+            </a:r>
+            <a:endParaRPr lang="ru-RU" sz="2800" dirty="0">
               <a:latin typeface="Montserrat ExtraLight" panose="00000300000000000000" pitchFamily="2" charset="-52"/>
             </a:endParaRPr>
           </a:p>
-          <a:p>
-            <a:pPr marL="285750" lvl="0" indent="-285750" algn="just">
-              <a:buFont typeface="Arial" panose="020B0604020202020204" pitchFamily="34" charset="0"/>
-              <a:buChar char="•"/>
-            </a:pPr>
-            <a:r>
-              <a:rPr lang="uk-UA" sz="2000" dirty="0">
-                <a:latin typeface="Montserrat ExtraLight" panose="00000300000000000000" pitchFamily="2" charset="-52"/>
-              </a:rPr>
-              <a:t>розробити сласну модель веб-сервісу інтернет листування;</a:t>
-            </a:r>
-            <a:endParaRPr lang="ru-RU" sz="2000" dirty="0">
-              <a:latin typeface="Montserrat ExtraLight" panose="00000300000000000000" pitchFamily="2" charset="-52"/>
-            </a:endParaRPr>
-          </a:p>
-          <a:p>
-            <a:pPr marL="285750" lvl="0" indent="-285750" algn="just">
-              <a:buFont typeface="Arial" panose="020B0604020202020204" pitchFamily="34" charset="0"/>
-              <a:buChar char="•"/>
-            </a:pPr>
-            <a:r>
-              <a:rPr lang="uk-UA" sz="2000" dirty="0">
-                <a:latin typeface="Montserrat ExtraLight" panose="00000300000000000000" pitchFamily="2" charset="-52"/>
-              </a:rPr>
-              <a:t>запровадити до нього вдосконалений метод шифрування;</a:t>
-            </a:r>
-            <a:endParaRPr lang="ru-RU" sz="2000" dirty="0">
-              <a:latin typeface="Montserrat ExtraLight" panose="00000300000000000000" pitchFamily="2" charset="-52"/>
-            </a:endParaRPr>
-          </a:p>
-          <a:p>
-            <a:pPr marL="285750" indent="-285750" algn="just">
-              <a:buFont typeface="Arial" panose="020B0604020202020204" pitchFamily="34" charset="0"/>
-              <a:buChar char="•"/>
-            </a:pPr>
-            <a:r>
-              <a:rPr lang="uk-UA" sz="2000" dirty="0">
-                <a:latin typeface="Montserrat ExtraLight" panose="00000300000000000000" pitchFamily="2" charset="-52"/>
-              </a:rPr>
-              <a:t>провести економічне обґрунтування доцільності створюваного програмного продукту</a:t>
-            </a:r>
-            <a:endParaRPr lang="ru-RU" sz="2000" dirty="0">
-              <a:latin typeface="Montserrat ExtraLight" panose="00000300000000000000" pitchFamily="2" charset="-52"/>
-            </a:endParaRPr>
-          </a:p>
-        </p:txBody>
-      </p:sp>
+        </p:txBody>
+      </p:sp>
+      <p:pic>
+        <p:nvPicPr>
+          <p:cNvPr id="2050" name="Picture 2" descr="Безпека в Інтернеті: що потрібно знати » Профспілка працівників освіти і  науки України"/>
+          <p:cNvPicPr>
+            <a:picLocks noChangeAspect="1" noChangeArrowheads="1"/>
+          </p:cNvPicPr>
+          <p:nvPr/>
+        </p:nvPicPr>
+        <p:blipFill>
+          <a:blip r:embed="rId2">
+            <a:extLst>
+              <a:ext uri="{28A0092B-C50C-407E-A947-70E740481C1C}">
+                <a14:useLocalDpi xmlns:a14="http://schemas.microsoft.com/office/drawing/2010/main" val="0"/>
+              </a:ext>
+            </a:extLst>
+          </a:blip>
+          <a:srcRect/>
+          <a:stretch>
+            <a:fillRect/>
+          </a:stretch>
+        </p:blipFill>
+        <p:spPr bwMode="auto">
+          <a:xfrm>
+            <a:off x="6486706" y="677091"/>
+            <a:ext cx="5088699" cy="2971800"/>
+          </a:xfrm>
+          <a:prstGeom prst="rect">
+            <a:avLst/>
+          </a:prstGeom>
+          <a:noFill/>
+          <a:extLst>
+            <a:ext uri="{909E8E84-426E-40DD-AFC4-6F175D3DCCD1}">
+              <a14:hiddenFill xmlns:a14="http://schemas.microsoft.com/office/drawing/2010/main">
+                <a:solidFill>
+                  <a:srgbClr val="FFFFFF"/>
+                </a:solidFill>
+              </a14:hiddenFill>
+            </a:ext>
+          </a:extLst>
+        </p:spPr>
+      </p:pic>
     </p:spTree>
     <p:extLst>
       <p:ext uri="{BB962C8B-B14F-4D97-AF65-F5344CB8AC3E}">
@@ -7688,6 +8213,842 @@
 </file>
 
 <file path=ppt/slides/slide3.xml><?xml version="1.0" encoding="utf-8"?>
+<p:sld xmlns:a="http://schemas.openxmlformats.org/drawingml/2006/main" xmlns:r="http://schemas.openxmlformats.org/officeDocument/2006/relationships" xmlns:p="http://schemas.openxmlformats.org/presentationml/2006/main">
+  <p:cSld>
+    <p:spTree>
+      <p:nvGrpSpPr>
+        <p:cNvPr id="1" name=""/>
+        <p:cNvGrpSpPr/>
+        <p:nvPr/>
+      </p:nvGrpSpPr>
+      <p:grpSpPr>
+        <a:xfrm>
+          <a:off x="0" y="0"/>
+          <a:ext cx="0" cy="0"/>
+          <a:chOff x="0" y="0"/>
+          <a:chExt cx="0" cy="0"/>
+        </a:xfrm>
+      </p:grpSpPr>
+      <p:sp>
+        <p:nvSpPr>
+          <p:cNvPr id="2" name="Заголовок 1"/>
+          <p:cNvSpPr>
+            <a:spLocks noGrp="1"/>
+          </p:cNvSpPr>
+          <p:nvPr>
+            <p:ph type="title"/>
+          </p:nvPr>
+        </p:nvSpPr>
+        <p:spPr>
+          <a:xfrm>
+            <a:off x="1484311" y="685800"/>
+            <a:ext cx="10018713" cy="907869"/>
+          </a:xfrm>
+        </p:spPr>
+        <p:txBody>
+          <a:bodyPr/>
+          <a:lstStyle/>
+          <a:p>
+            <a:r>
+              <a:rPr lang="uk-UA" b="1" dirty="0" smtClean="0">
+                <a:latin typeface="Montserrat ExtraLight" panose="00000300000000000000" pitchFamily="2" charset="-52"/>
+              </a:rPr>
+              <a:t>Приклад хешування (</a:t>
+            </a:r>
+            <a:r>
+              <a:rPr lang="en-US" b="1" dirty="0" smtClean="0">
+                <a:latin typeface="Montserrat ExtraLight" panose="00000300000000000000" pitchFamily="2" charset="-52"/>
+              </a:rPr>
+              <a:t>SHA1</a:t>
+            </a:r>
+            <a:r>
+              <a:rPr lang="uk-UA" b="1" dirty="0" smtClean="0">
+                <a:latin typeface="Montserrat ExtraLight" panose="00000300000000000000" pitchFamily="2" charset="-52"/>
+              </a:rPr>
+              <a:t>)</a:t>
+            </a:r>
+            <a:endParaRPr lang="ru-RU" b="1" dirty="0">
+              <a:latin typeface="Montserrat ExtraLight" panose="00000300000000000000" pitchFamily="2" charset="-52"/>
+            </a:endParaRPr>
+          </a:p>
+        </p:txBody>
+      </p:sp>
+      <p:sp>
+        <p:nvSpPr>
+          <p:cNvPr id="4" name="TextBox 3"/>
+          <p:cNvSpPr txBox="1"/>
+          <p:nvPr/>
+        </p:nvSpPr>
+        <p:spPr>
+          <a:xfrm>
+            <a:off x="1314994" y="2342606"/>
+            <a:ext cx="6103466" cy="2677656"/>
+          </a:xfrm>
+          <a:prstGeom prst="rect">
+            <a:avLst/>
+          </a:prstGeom>
+          <a:noFill/>
+        </p:spPr>
+        <p:txBody>
+          <a:bodyPr wrap="none" rtlCol="0">
+            <a:spAutoFit/>
+          </a:bodyPr>
+          <a:lstStyle/>
+          <a:p>
+            <a:r>
+              <a:rPr lang="ru-RU" sz="2400" dirty="0"/>
+              <a:t>Текст: </a:t>
+            </a:r>
+            <a:r>
+              <a:rPr lang="ru-RU" sz="2400" dirty="0" err="1"/>
+              <a:t>Всі</a:t>
+            </a:r>
+            <a:r>
+              <a:rPr lang="ru-RU" sz="2400" dirty="0"/>
+              <a:t> </a:t>
+            </a:r>
+            <a:r>
+              <a:rPr lang="uk-UA" sz="2400" dirty="0" smtClean="0"/>
+              <a:t>полюбляють</a:t>
+            </a:r>
+            <a:r>
+              <a:rPr lang="ru-RU" sz="2400" dirty="0" smtClean="0"/>
+              <a:t> </a:t>
+            </a:r>
+            <a:r>
+              <a:rPr lang="ru-RU" sz="2400" dirty="0"/>
+              <a:t>пончики.</a:t>
+            </a:r>
+          </a:p>
+          <a:p>
+            <a:r>
+              <a:rPr lang="ru-RU" sz="2400" dirty="0" err="1"/>
+              <a:t>Значення</a:t>
+            </a:r>
+            <a:r>
+              <a:rPr lang="ru-RU" sz="2400" dirty="0"/>
+              <a:t> </a:t>
+            </a:r>
+            <a:r>
+              <a:rPr lang="en-US" sz="2400" dirty="0"/>
+              <a:t>SHA-1 </a:t>
+            </a:r>
+            <a:r>
+              <a:rPr lang="ru-RU" sz="2400" dirty="0"/>
+              <a:t>тексту: </a:t>
+            </a:r>
+            <a:endParaRPr lang="ru-RU" sz="2400" dirty="0" smtClean="0"/>
+          </a:p>
+          <a:p>
+            <a:r>
+              <a:rPr lang="en-US" sz="2400" dirty="0" smtClean="0"/>
+              <a:t>daebbfdea9a516477d489f32c982a1ba1855bcd</a:t>
+            </a:r>
+            <a:endParaRPr lang="en-US" sz="2400" dirty="0"/>
+          </a:p>
+          <a:p>
+            <a:endParaRPr lang="ru-RU" sz="2400" dirty="0"/>
+          </a:p>
+          <a:p>
+            <a:r>
+              <a:rPr lang="ru-RU" sz="2400" dirty="0"/>
+              <a:t>Текст: </a:t>
+            </a:r>
+            <a:r>
+              <a:rPr lang="ru-RU" sz="2400" dirty="0" err="1"/>
+              <a:t>Всі</a:t>
+            </a:r>
+            <a:r>
+              <a:rPr lang="ru-RU" sz="2400" dirty="0"/>
+              <a:t> </a:t>
+            </a:r>
+            <a:r>
+              <a:rPr lang="ru-RU" sz="2400" dirty="0" err="1" smtClean="0"/>
+              <a:t>полюбляють</a:t>
+            </a:r>
+            <a:r>
+              <a:rPr lang="ru-RU" sz="2400" dirty="0" smtClean="0"/>
+              <a:t> </a:t>
+            </a:r>
+            <a:r>
+              <a:rPr lang="ru-RU" sz="2400" dirty="0"/>
+              <a:t>пончик.</a:t>
+            </a:r>
+          </a:p>
+          <a:p>
+            <a:r>
+              <a:rPr lang="ru-RU" sz="2400" dirty="0" err="1"/>
+              <a:t>Значення</a:t>
+            </a:r>
+            <a:r>
+              <a:rPr lang="ru-RU" sz="2400" dirty="0"/>
+              <a:t> </a:t>
+            </a:r>
+            <a:r>
+              <a:rPr lang="en-US" sz="2400" dirty="0"/>
+              <a:t>SHA-1 </a:t>
+            </a:r>
+            <a:r>
+              <a:rPr lang="ru-RU" sz="2400" dirty="0"/>
+              <a:t>тексту: </a:t>
+            </a:r>
+            <a:endParaRPr lang="ru-RU" sz="2400" dirty="0" smtClean="0"/>
+          </a:p>
+          <a:p>
+            <a:r>
+              <a:rPr lang="ru-RU" sz="2400" dirty="0" smtClean="0"/>
+              <a:t>8</a:t>
+            </a:r>
+            <a:r>
+              <a:rPr lang="en-US" sz="2400" dirty="0"/>
+              <a:t>f2bd584a1854d37f9e98f9ec4da6d757940f388</a:t>
+            </a:r>
+            <a:endParaRPr lang="ru-RU" sz="2400" dirty="0"/>
+          </a:p>
+        </p:txBody>
+      </p:sp>
+      <p:pic>
+        <p:nvPicPr>
+          <p:cNvPr id="1026" name="Picture 2" descr="SHA-1 — Википедия"/>
+          <p:cNvPicPr>
+            <a:picLocks noChangeAspect="1" noChangeArrowheads="1"/>
+          </p:cNvPicPr>
+          <p:nvPr/>
+        </p:nvPicPr>
+        <p:blipFill>
+          <a:blip r:embed="rId2">
+            <a:extLst>
+              <a:ext uri="{28A0092B-C50C-407E-A947-70E740481C1C}">
+                <a14:useLocalDpi xmlns:a14="http://schemas.microsoft.com/office/drawing/2010/main" val="0"/>
+              </a:ext>
+            </a:extLst>
+          </a:blip>
+          <a:srcRect/>
+          <a:stretch>
+            <a:fillRect/>
+          </a:stretch>
+        </p:blipFill>
+        <p:spPr bwMode="auto">
+          <a:xfrm>
+            <a:off x="8341632" y="2342606"/>
+            <a:ext cx="2857500" cy="2971801"/>
+          </a:xfrm>
+          <a:prstGeom prst="rect">
+            <a:avLst/>
+          </a:prstGeom>
+          <a:noFill/>
+          <a:extLst>
+            <a:ext uri="{909E8E84-426E-40DD-AFC4-6F175D3DCCD1}">
+              <a14:hiddenFill xmlns:a14="http://schemas.microsoft.com/office/drawing/2010/main">
+                <a:solidFill>
+                  <a:srgbClr val="FFFFFF"/>
+                </a:solidFill>
+              </a14:hiddenFill>
+            </a:ext>
+          </a:extLst>
+        </p:spPr>
+      </p:pic>
+    </p:spTree>
+    <p:extLst>
+      <p:ext uri="{BB962C8B-B14F-4D97-AF65-F5344CB8AC3E}">
+        <p14:creationId xmlns:p14="http://schemas.microsoft.com/office/powerpoint/2010/main" val="3499914419"/>
+      </p:ext>
+    </p:extLst>
+  </p:cSld>
+  <p:clrMapOvr>
+    <a:masterClrMapping/>
+  </p:clrMapOvr>
+  <p:timing>
+    <p:tnLst>
+      <p:par>
+        <p:cTn id="1" dur="indefinite" restart="never" nodeType="tmRoot"/>
+      </p:par>
+    </p:tnLst>
+  </p:timing>
+</p:sld>
+</file>
+
+<file path=ppt/slides/slide4.xml><?xml version="1.0" encoding="utf-8"?>
+<p:sld xmlns:a="http://schemas.openxmlformats.org/drawingml/2006/main" xmlns:r="http://schemas.openxmlformats.org/officeDocument/2006/relationships" xmlns:p="http://schemas.openxmlformats.org/presentationml/2006/main">
+  <p:cSld>
+    <p:spTree>
+      <p:nvGrpSpPr>
+        <p:cNvPr id="1" name=""/>
+        <p:cNvGrpSpPr/>
+        <p:nvPr/>
+      </p:nvGrpSpPr>
+      <p:grpSpPr>
+        <a:xfrm>
+          <a:off x="0" y="0"/>
+          <a:ext cx="0" cy="0"/>
+          <a:chOff x="0" y="0"/>
+          <a:chExt cx="0" cy="0"/>
+        </a:xfrm>
+      </p:grpSpPr>
+      <p:sp>
+        <p:nvSpPr>
+          <p:cNvPr id="2" name="Заголовок 1"/>
+          <p:cNvSpPr>
+            <a:spLocks noGrp="1"/>
+          </p:cNvSpPr>
+          <p:nvPr>
+            <p:ph type="title"/>
+          </p:nvPr>
+        </p:nvSpPr>
+        <p:spPr>
+          <a:xfrm>
+            <a:off x="1777209" y="335054"/>
+            <a:ext cx="5968129" cy="1285875"/>
+          </a:xfrm>
+        </p:spPr>
+        <p:txBody>
+          <a:bodyPr>
+            <a:normAutofit/>
+          </a:bodyPr>
+          <a:lstStyle/>
+          <a:p>
+            <a:r>
+              <a:rPr lang="uk-UA" b="1" dirty="0">
+                <a:solidFill>
+                  <a:schemeClr val="tx2"/>
+                </a:solidFill>
+                <a:latin typeface="Montserrat ExtraLight" panose="00000300000000000000" pitchFamily="2" charset="-52"/>
+              </a:rPr>
+              <a:t>Способи злому </a:t>
+            </a:r>
+            <a:r>
+              <a:rPr lang="uk-UA" b="1" dirty="0" err="1">
+                <a:solidFill>
+                  <a:schemeClr val="tx2"/>
+                </a:solidFill>
+                <a:latin typeface="Montserrat ExtraLight" panose="00000300000000000000" pitchFamily="2" charset="-52"/>
+              </a:rPr>
+              <a:t>хешей</a:t>
+            </a:r>
+            <a:endParaRPr lang="ru-RU" dirty="0">
+              <a:solidFill>
+                <a:schemeClr val="tx2"/>
+              </a:solidFill>
+              <a:latin typeface="Montserrat ExtraLight" panose="00000300000000000000" pitchFamily="2" charset="-52"/>
+            </a:endParaRPr>
+          </a:p>
+        </p:txBody>
+      </p:sp>
+      <p:sp>
+        <p:nvSpPr>
+          <p:cNvPr id="3" name="TextBox 2"/>
+          <p:cNvSpPr txBox="1"/>
+          <p:nvPr/>
+        </p:nvSpPr>
+        <p:spPr>
+          <a:xfrm>
+            <a:off x="1329083" y="2556221"/>
+            <a:ext cx="5521234" cy="2616101"/>
+          </a:xfrm>
+          <a:prstGeom prst="rect">
+            <a:avLst/>
+          </a:prstGeom>
+          <a:noFill/>
+        </p:spPr>
+        <p:txBody>
+          <a:bodyPr wrap="square" rtlCol="0">
+            <a:noAutofit/>
+          </a:bodyPr>
+          <a:lstStyle/>
+          <a:p>
+            <a:pPr marL="342900" indent="-342900" algn="r">
+              <a:buFont typeface="Arial" panose="020B0604020202020204" pitchFamily="34" charset="0"/>
+              <a:buChar char="•"/>
+            </a:pPr>
+            <a:r>
+              <a:rPr lang="uk-UA" sz="2800" dirty="0" smtClean="0">
+                <a:solidFill>
+                  <a:srgbClr val="595959"/>
+                </a:solidFill>
+                <a:latin typeface="Montserrat ExtraLight" panose="00000300000000000000" pitchFamily="2" charset="-52"/>
+              </a:rPr>
+              <a:t>словникові </a:t>
+            </a:r>
+            <a:r>
+              <a:rPr lang="uk-UA" sz="2800" dirty="0" smtClean="0">
+                <a:solidFill>
+                  <a:srgbClr val="595959"/>
+                </a:solidFill>
+                <a:latin typeface="Montserrat ExtraLight" panose="00000300000000000000" pitchFamily="2" charset="-52"/>
+              </a:rPr>
+              <a:t>атаки</a:t>
+            </a:r>
+            <a:endParaRPr lang="ru-RU" sz="2800" dirty="0">
+              <a:solidFill>
+                <a:srgbClr val="595959"/>
+              </a:solidFill>
+              <a:latin typeface="Montserrat ExtraLight" panose="00000300000000000000" pitchFamily="2" charset="-52"/>
+            </a:endParaRPr>
+          </a:p>
+          <a:p>
+            <a:pPr marL="342900" indent="-342900" algn="r">
+              <a:buFont typeface="Arial" panose="020B0604020202020204" pitchFamily="34" charset="0"/>
+              <a:buChar char="•"/>
+            </a:pPr>
+            <a:r>
+              <a:rPr lang="uk-UA" sz="2800" dirty="0" err="1" smtClean="0">
+                <a:solidFill>
+                  <a:srgbClr val="595959"/>
+                </a:solidFill>
+                <a:latin typeface="Montserrat ExtraLight" panose="00000300000000000000" pitchFamily="2" charset="-52"/>
+              </a:rPr>
+              <a:t>брутфорс</a:t>
+            </a:r>
+            <a:endParaRPr lang="ru-RU" sz="2800" dirty="0">
+              <a:solidFill>
+                <a:srgbClr val="595959"/>
+              </a:solidFill>
+              <a:latin typeface="Montserrat ExtraLight" panose="00000300000000000000" pitchFamily="2" charset="-52"/>
+            </a:endParaRPr>
+          </a:p>
+          <a:p>
+            <a:pPr marL="342900" indent="-342900" algn="r">
+              <a:buFont typeface="Arial" panose="020B0604020202020204" pitchFamily="34" charset="0"/>
+              <a:buChar char="•"/>
+            </a:pPr>
+            <a:r>
+              <a:rPr lang="uk-UA" sz="2800" dirty="0" smtClean="0">
+                <a:solidFill>
+                  <a:srgbClr val="595959"/>
+                </a:solidFill>
+                <a:latin typeface="Montserrat ExtraLight" panose="00000300000000000000" pitchFamily="2" charset="-52"/>
+              </a:rPr>
+              <a:t>таблиці </a:t>
+            </a:r>
+            <a:r>
+              <a:rPr lang="uk-UA" sz="2800" dirty="0" smtClean="0">
+                <a:solidFill>
+                  <a:srgbClr val="595959"/>
+                </a:solidFill>
+                <a:latin typeface="Montserrat ExtraLight" panose="00000300000000000000" pitchFamily="2" charset="-52"/>
+              </a:rPr>
+              <a:t>пошуку </a:t>
+            </a:r>
+            <a:endParaRPr lang="uk-UA" sz="2800" dirty="0" smtClean="0">
+              <a:solidFill>
+                <a:srgbClr val="595959"/>
+              </a:solidFill>
+              <a:latin typeface="Montserrat ExtraLight" panose="00000300000000000000" pitchFamily="2" charset="-52"/>
+            </a:endParaRPr>
+          </a:p>
+          <a:p>
+            <a:pPr marL="342900" indent="-342900" algn="r">
+              <a:buFont typeface="Arial" panose="020B0604020202020204" pitchFamily="34" charset="0"/>
+              <a:buChar char="•"/>
+            </a:pPr>
+            <a:r>
+              <a:rPr lang="uk-UA" sz="2800" dirty="0" smtClean="0">
+                <a:solidFill>
+                  <a:srgbClr val="595959"/>
+                </a:solidFill>
+                <a:latin typeface="Montserrat ExtraLight" panose="00000300000000000000" pitchFamily="2" charset="-52"/>
+              </a:rPr>
+              <a:t>обернені </a:t>
+            </a:r>
+            <a:r>
+              <a:rPr lang="uk-UA" sz="2800" dirty="0">
+                <a:solidFill>
+                  <a:srgbClr val="595959"/>
+                </a:solidFill>
+                <a:latin typeface="Montserrat ExtraLight" panose="00000300000000000000" pitchFamily="2" charset="-52"/>
+              </a:rPr>
+              <a:t>таблиці </a:t>
+            </a:r>
+            <a:r>
+              <a:rPr lang="uk-UA" sz="2800" dirty="0" smtClean="0">
+                <a:solidFill>
+                  <a:srgbClr val="595959"/>
+                </a:solidFill>
+                <a:latin typeface="Montserrat ExtraLight" panose="00000300000000000000" pitchFamily="2" charset="-52"/>
+              </a:rPr>
+              <a:t>пошуку</a:t>
+            </a:r>
+            <a:endParaRPr lang="ru-RU" sz="2800" dirty="0">
+              <a:solidFill>
+                <a:srgbClr val="595959"/>
+              </a:solidFill>
+              <a:latin typeface="Montserrat ExtraLight" panose="00000300000000000000" pitchFamily="2" charset="-52"/>
+            </a:endParaRPr>
+          </a:p>
+          <a:p>
+            <a:pPr marL="342900" indent="-342900" algn="r">
+              <a:buFont typeface="Arial" panose="020B0604020202020204" pitchFamily="34" charset="0"/>
+              <a:buChar char="•"/>
+            </a:pPr>
+            <a:r>
+              <a:rPr lang="uk-UA" sz="2800" dirty="0" smtClean="0">
+                <a:solidFill>
+                  <a:srgbClr val="595959"/>
+                </a:solidFill>
+                <a:latin typeface="Montserrat ExtraLight" panose="00000300000000000000" pitchFamily="2" charset="-52"/>
+              </a:rPr>
+              <a:t>райдужні </a:t>
+            </a:r>
+            <a:r>
+              <a:rPr lang="uk-UA" sz="2800" dirty="0">
+                <a:solidFill>
+                  <a:srgbClr val="595959"/>
+                </a:solidFill>
+                <a:latin typeface="Montserrat ExtraLight" panose="00000300000000000000" pitchFamily="2" charset="-52"/>
+              </a:rPr>
+              <a:t>таблиці </a:t>
+            </a:r>
+            <a:r>
+              <a:rPr lang="uk-UA" sz="2800" dirty="0" smtClean="0">
+                <a:solidFill>
+                  <a:srgbClr val="595959"/>
+                </a:solidFill>
+                <a:latin typeface="Montserrat ExtraLight" panose="00000300000000000000" pitchFamily="2" charset="-52"/>
+              </a:rPr>
+              <a:t>пошуку</a:t>
+            </a:r>
+            <a:endParaRPr lang="ru-RU" sz="2800" dirty="0">
+              <a:solidFill>
+                <a:srgbClr val="595959"/>
+              </a:solidFill>
+              <a:latin typeface="Montserrat ExtraLight" panose="00000300000000000000" pitchFamily="2" charset="-52"/>
+            </a:endParaRPr>
+          </a:p>
+          <a:p>
+            <a:pPr algn="just"/>
+            <a:endParaRPr lang="ru-RU" sz="2400" dirty="0"/>
+          </a:p>
+        </p:txBody>
+      </p:sp>
+      <p:pic>
+        <p:nvPicPr>
+          <p:cNvPr id="6146" name="Picture 2" descr="Как происходит взлом пароля: основные принципы и технологии"/>
+          <p:cNvPicPr>
+            <a:picLocks noChangeAspect="1" noChangeArrowheads="1"/>
+          </p:cNvPicPr>
+          <p:nvPr/>
+        </p:nvPicPr>
+        <p:blipFill>
+          <a:blip r:embed="rId2">
+            <a:extLst>
+              <a:ext uri="{28A0092B-C50C-407E-A947-70E740481C1C}">
+                <a14:useLocalDpi xmlns:a14="http://schemas.microsoft.com/office/drawing/2010/main" val="0"/>
+              </a:ext>
+            </a:extLst>
+          </a:blip>
+          <a:srcRect/>
+          <a:stretch>
+            <a:fillRect/>
+          </a:stretch>
+        </p:blipFill>
+        <p:spPr bwMode="auto">
+          <a:xfrm>
+            <a:off x="6993752" y="1520325"/>
+            <a:ext cx="4876800" cy="3867150"/>
+          </a:xfrm>
+          <a:prstGeom prst="rect">
+            <a:avLst/>
+          </a:prstGeom>
+          <a:noFill/>
+          <a:extLst>
+            <a:ext uri="{909E8E84-426E-40DD-AFC4-6F175D3DCCD1}">
+              <a14:hiddenFill xmlns:a14="http://schemas.microsoft.com/office/drawing/2010/main">
+                <a:solidFill>
+                  <a:srgbClr val="FFFFFF"/>
+                </a:solidFill>
+              </a14:hiddenFill>
+            </a:ext>
+          </a:extLst>
+        </p:spPr>
+      </p:pic>
+    </p:spTree>
+    <p:extLst>
+      <p:ext uri="{BB962C8B-B14F-4D97-AF65-F5344CB8AC3E}">
+        <p14:creationId xmlns:p14="http://schemas.microsoft.com/office/powerpoint/2010/main" val="856460879"/>
+      </p:ext>
+    </p:extLst>
+  </p:cSld>
+  <p:clrMapOvr>
+    <a:masterClrMapping/>
+  </p:clrMapOvr>
+  <p:timing>
+    <p:tnLst>
+      <p:par>
+        <p:cTn id="1" dur="indefinite" restart="never" nodeType="tmRoot"/>
+      </p:par>
+    </p:tnLst>
+  </p:timing>
+</p:sld>
+</file>
+
+<file path=ppt/slides/slide5.xml><?xml version="1.0" encoding="utf-8"?>
+<p:sld xmlns:a="http://schemas.openxmlformats.org/drawingml/2006/main" xmlns:r="http://schemas.openxmlformats.org/officeDocument/2006/relationships" xmlns:p="http://schemas.openxmlformats.org/presentationml/2006/main">
+  <p:cSld>
+    <p:spTree>
+      <p:nvGrpSpPr>
+        <p:cNvPr id="1" name=""/>
+        <p:cNvGrpSpPr/>
+        <p:nvPr/>
+      </p:nvGrpSpPr>
+      <p:grpSpPr>
+        <a:xfrm>
+          <a:off x="0" y="0"/>
+          <a:ext cx="0" cy="0"/>
+          <a:chOff x="0" y="0"/>
+          <a:chExt cx="0" cy="0"/>
+        </a:xfrm>
+      </p:grpSpPr>
+      <p:sp>
+        <p:nvSpPr>
+          <p:cNvPr id="2" name="Заголовок 1"/>
+          <p:cNvSpPr>
+            <a:spLocks noGrp="1"/>
+          </p:cNvSpPr>
+          <p:nvPr>
+            <p:ph type="title"/>
+          </p:nvPr>
+        </p:nvSpPr>
+        <p:spPr>
+          <a:xfrm>
+            <a:off x="3881063" y="1038136"/>
+            <a:ext cx="5947430" cy="1143000"/>
+          </a:xfrm>
+        </p:spPr>
+        <p:txBody>
+          <a:bodyPr/>
+          <a:lstStyle/>
+          <a:p>
+            <a:r>
+              <a:rPr lang="uk-UA" dirty="0" smtClean="0"/>
+              <a:t>Методи шифрування</a:t>
+            </a:r>
+            <a:endParaRPr lang="ru-RU" dirty="0"/>
+          </a:p>
+        </p:txBody>
+      </p:sp>
+      <p:sp>
+        <p:nvSpPr>
+          <p:cNvPr id="5" name="TextBox 4"/>
+          <p:cNvSpPr txBox="1"/>
+          <p:nvPr/>
+        </p:nvSpPr>
+        <p:spPr>
+          <a:xfrm>
+            <a:off x="3312176" y="2633573"/>
+            <a:ext cx="3992375" cy="1200329"/>
+          </a:xfrm>
+          <a:prstGeom prst="rect">
+            <a:avLst/>
+          </a:prstGeom>
+          <a:noFill/>
+        </p:spPr>
+        <p:txBody>
+          <a:bodyPr wrap="none" rtlCol="0">
+            <a:spAutoFit/>
+          </a:bodyPr>
+          <a:lstStyle/>
+          <a:p>
+            <a:pPr marL="285750" indent="-285750" algn="just">
+              <a:buFont typeface="Arial" panose="020B0604020202020204" pitchFamily="34" charset="0"/>
+              <a:buChar char="•"/>
+            </a:pPr>
+            <a:r>
+              <a:rPr lang="uk-UA" sz="2400" dirty="0" smtClean="0"/>
+              <a:t>Симетричне шифрування</a:t>
+            </a:r>
+          </a:p>
+          <a:p>
+            <a:pPr marL="285750" indent="-285750" algn="just">
+              <a:buFont typeface="Arial" panose="020B0604020202020204" pitchFamily="34" charset="0"/>
+              <a:buChar char="•"/>
+            </a:pPr>
+            <a:r>
+              <a:rPr lang="uk-UA" sz="2400" dirty="0" smtClean="0"/>
+              <a:t>Асиметричне шифрування</a:t>
+            </a:r>
+            <a:endParaRPr lang="en-US" sz="2400" dirty="0" smtClean="0"/>
+          </a:p>
+          <a:p>
+            <a:pPr marL="285750" indent="-285750" algn="just">
+              <a:buFont typeface="Arial" panose="020B0604020202020204" pitchFamily="34" charset="0"/>
+              <a:buChar char="•"/>
+            </a:pPr>
+            <a:r>
+              <a:rPr lang="uk-UA" sz="2400" dirty="0" smtClean="0"/>
+              <a:t>Наскрізне шифрування</a:t>
+            </a:r>
+            <a:endParaRPr lang="ru-RU" sz="2400" dirty="0"/>
+          </a:p>
+        </p:txBody>
+      </p:sp>
+      <p:pic>
+        <p:nvPicPr>
+          <p:cNvPr id="4098" name="Picture 2" descr="The AES Corporation | LinkedIn"/>
+          <p:cNvPicPr>
+            <a:picLocks noChangeAspect="1" noChangeArrowheads="1"/>
+          </p:cNvPicPr>
+          <p:nvPr/>
+        </p:nvPicPr>
+        <p:blipFill>
+          <a:blip r:embed="rId2">
+            <a:extLst>
+              <a:ext uri="{28A0092B-C50C-407E-A947-70E740481C1C}">
+                <a14:useLocalDpi xmlns:a14="http://schemas.microsoft.com/office/drawing/2010/main" val="0"/>
+              </a:ext>
+            </a:extLst>
+          </a:blip>
+          <a:srcRect/>
+          <a:stretch>
+            <a:fillRect/>
+          </a:stretch>
+        </p:blipFill>
+        <p:spPr bwMode="auto">
+          <a:xfrm>
+            <a:off x="9828493" y="304801"/>
+            <a:ext cx="1905000" cy="1905000"/>
+          </a:xfrm>
+          <a:prstGeom prst="rect">
+            <a:avLst/>
+          </a:prstGeom>
+          <a:noFill/>
+          <a:extLst>
+            <a:ext uri="{909E8E84-426E-40DD-AFC4-6F175D3DCCD1}">
+              <a14:hiddenFill xmlns:a14="http://schemas.microsoft.com/office/drawing/2010/main">
+                <a:solidFill>
+                  <a:srgbClr val="FFFFFF"/>
+                </a:solidFill>
+              </a14:hiddenFill>
+            </a:ext>
+          </a:extLst>
+        </p:spPr>
+      </p:pic>
+      <p:pic>
+        <p:nvPicPr>
+          <p:cNvPr id="6" name="Рисунок 5"/>
+          <p:cNvPicPr>
+            <a:picLocks noChangeAspect="1"/>
+          </p:cNvPicPr>
+          <p:nvPr/>
+        </p:nvPicPr>
+        <p:blipFill>
+          <a:blip r:embed="rId3"/>
+          <a:stretch>
+            <a:fillRect/>
+          </a:stretch>
+        </p:blipFill>
+        <p:spPr>
+          <a:xfrm>
+            <a:off x="9828493" y="2209801"/>
+            <a:ext cx="1905000" cy="2047875"/>
+          </a:xfrm>
+          <a:prstGeom prst="rect">
+            <a:avLst/>
+          </a:prstGeom>
+        </p:spPr>
+      </p:pic>
+      <p:pic>
+        <p:nvPicPr>
+          <p:cNvPr id="4100" name="Picture 4" descr="RSA Integrates with Microsoft Azure Active Directory"/>
+          <p:cNvPicPr>
+            <a:picLocks noChangeAspect="1" noChangeArrowheads="1"/>
+          </p:cNvPicPr>
+          <p:nvPr/>
+        </p:nvPicPr>
+        <p:blipFill>
+          <a:blip r:embed="rId4">
+            <a:extLst>
+              <a:ext uri="{28A0092B-C50C-407E-A947-70E740481C1C}">
+                <a14:useLocalDpi xmlns:a14="http://schemas.microsoft.com/office/drawing/2010/main" val="0"/>
+              </a:ext>
+            </a:extLst>
+          </a:blip>
+          <a:srcRect/>
+          <a:stretch>
+            <a:fillRect/>
+          </a:stretch>
+        </p:blipFill>
+        <p:spPr bwMode="auto">
+          <a:xfrm>
+            <a:off x="7639797" y="4257676"/>
+            <a:ext cx="4093696" cy="2423469"/>
+          </a:xfrm>
+          <a:prstGeom prst="rect">
+            <a:avLst/>
+          </a:prstGeom>
+          <a:noFill/>
+          <a:extLst>
+            <a:ext uri="{909E8E84-426E-40DD-AFC4-6F175D3DCCD1}">
+              <a14:hiddenFill xmlns:a14="http://schemas.microsoft.com/office/drawing/2010/main">
+                <a:solidFill>
+                  <a:srgbClr val="FFFFFF"/>
+                </a:solidFill>
+              </a14:hiddenFill>
+            </a:ext>
+          </a:extLst>
+        </p:spPr>
+      </p:pic>
+      <p:pic>
+        <p:nvPicPr>
+          <p:cNvPr id="4102" name="Picture 6" descr="Власти США обсудили возможность законодательного запрета сквозного  шифрования"/>
+          <p:cNvPicPr>
+            <a:picLocks noChangeAspect="1" noChangeArrowheads="1"/>
+          </p:cNvPicPr>
+          <p:nvPr/>
+        </p:nvPicPr>
+        <p:blipFill>
+          <a:blip r:embed="rId5">
+            <a:extLst>
+              <a:ext uri="{28A0092B-C50C-407E-A947-70E740481C1C}">
+                <a14:useLocalDpi xmlns:a14="http://schemas.microsoft.com/office/drawing/2010/main" val="0"/>
+              </a:ext>
+            </a:extLst>
+          </a:blip>
+          <a:srcRect/>
+          <a:stretch>
+            <a:fillRect/>
+          </a:stretch>
+        </p:blipFill>
+        <p:spPr bwMode="auto">
+          <a:xfrm>
+            <a:off x="3312176" y="4257676"/>
+            <a:ext cx="4327622" cy="2423469"/>
+          </a:xfrm>
+          <a:prstGeom prst="rect">
+            <a:avLst/>
+          </a:prstGeom>
+          <a:noFill/>
+          <a:extLst>
+            <a:ext uri="{909E8E84-426E-40DD-AFC4-6F175D3DCCD1}">
+              <a14:hiddenFill xmlns:a14="http://schemas.microsoft.com/office/drawing/2010/main">
+                <a:solidFill>
+                  <a:srgbClr val="FFFFFF"/>
+                </a:solidFill>
+              </a14:hiddenFill>
+            </a:ext>
+          </a:extLst>
+        </p:spPr>
+      </p:pic>
+    </p:spTree>
+    <p:extLst>
+      <p:ext uri="{BB962C8B-B14F-4D97-AF65-F5344CB8AC3E}">
+        <p14:creationId xmlns:p14="http://schemas.microsoft.com/office/powerpoint/2010/main" val="2153233779"/>
+      </p:ext>
+    </p:extLst>
+  </p:cSld>
+  <p:clrMapOvr>
+    <a:masterClrMapping/>
+  </p:clrMapOvr>
+  <p:timing>
+    <p:tnLst>
+      <p:par>
+        <p:cTn id="1" dur="indefinite" restart="never" nodeType="tmRoot"/>
+      </p:par>
+    </p:tnLst>
+  </p:timing>
+</p:sld>
+</file>
+
+<file path=ppt/slides/slide6.xml><?xml version="1.0" encoding="utf-8"?>
 <p:sld xmlns:a="http://schemas.openxmlformats.org/drawingml/2006/main" xmlns:r="http://schemas.openxmlformats.org/officeDocument/2006/relationships" xmlns:p="http://schemas.openxmlformats.org/presentationml/2006/main">
   <p:cSld>
     <p:bg>
@@ -7818,7 +9179,7 @@
 </p:sld>
 </file>
 
-<file path=ppt/slides/slide4.xml><?xml version="1.0" encoding="utf-8"?>
+<file path=ppt/slides/slide7.xml><?xml version="1.0" encoding="utf-8"?>
 <p:sld xmlns:a="http://schemas.openxmlformats.org/drawingml/2006/main" xmlns:r="http://schemas.openxmlformats.org/officeDocument/2006/relationships" xmlns:p="http://schemas.openxmlformats.org/presentationml/2006/main">
   <p:cSld>
     <p:bg>
@@ -7919,7 +9280,7 @@
         </p:blipFill>
         <p:spPr bwMode="auto">
           <a:xfrm>
-            <a:off x="3029901" y="2382203"/>
+            <a:off x="3110583" y="2444956"/>
             <a:ext cx="6915287" cy="2895191"/>
           </a:xfrm>
           <a:prstGeom prst="rect">
@@ -7970,7 +9331,7 @@
 </p:sld>
 </file>
 
-<file path=ppt/slides/slide5.xml><?xml version="1.0" encoding="utf-8"?>
+<file path=ppt/slides/slide8.xml><?xml version="1.0" encoding="utf-8"?>
 <p:sld xmlns:a="http://schemas.openxmlformats.org/drawingml/2006/main" xmlns:r="http://schemas.openxmlformats.org/officeDocument/2006/relationships" xmlns:p="http://schemas.openxmlformats.org/presentationml/2006/main">
   <p:cSld>
     <p:spTree>
@@ -8083,648 +9444,6 @@
 </p:sld>
 </file>
 
-<file path=ppt/slides/slide6.xml><?xml version="1.0" encoding="utf-8"?>
-<p:sld xmlns:a="http://schemas.openxmlformats.org/drawingml/2006/main" xmlns:r="http://schemas.openxmlformats.org/officeDocument/2006/relationships" xmlns:p="http://schemas.openxmlformats.org/presentationml/2006/main">
-  <p:cSld>
-    <p:spTree>
-      <p:nvGrpSpPr>
-        <p:cNvPr id="1" name=""/>
-        <p:cNvGrpSpPr/>
-        <p:nvPr/>
-      </p:nvGrpSpPr>
-      <p:grpSpPr>
-        <a:xfrm>
-          <a:off x="0" y="0"/>
-          <a:ext cx="0" cy="0"/>
-          <a:chOff x="0" y="0"/>
-          <a:chExt cx="0" cy="0"/>
-        </a:xfrm>
-      </p:grpSpPr>
-      <p:sp>
-        <p:nvSpPr>
-          <p:cNvPr id="2" name="Заголовок 1"/>
-          <p:cNvSpPr>
-            <a:spLocks noGrp="1"/>
-          </p:cNvSpPr>
-          <p:nvPr>
-            <p:ph type="title"/>
-          </p:nvPr>
-        </p:nvSpPr>
-        <p:spPr>
-          <a:xfrm>
-            <a:off x="1777209" y="335054"/>
-            <a:ext cx="5968129" cy="1285875"/>
-          </a:xfrm>
-        </p:spPr>
-        <p:txBody>
-          <a:bodyPr>
-            <a:normAutofit/>
-          </a:bodyPr>
-          <a:lstStyle/>
-          <a:p>
-            <a:r>
-              <a:rPr lang="uk-UA" b="1" dirty="0">
-                <a:solidFill>
-                  <a:srgbClr val="30ACEC"/>
-                </a:solidFill>
-                <a:latin typeface="Montserrat ExtraLight" panose="00000300000000000000" pitchFamily="2" charset="-52"/>
-              </a:rPr>
-              <a:t>Способи злому </a:t>
-            </a:r>
-            <a:r>
-              <a:rPr lang="uk-UA" b="1" dirty="0" err="1">
-                <a:solidFill>
-                  <a:srgbClr val="30ACEC"/>
-                </a:solidFill>
-                <a:latin typeface="Montserrat ExtraLight" panose="00000300000000000000" pitchFamily="2" charset="-52"/>
-              </a:rPr>
-              <a:t>хешей</a:t>
-            </a:r>
-            <a:endParaRPr lang="ru-RU" dirty="0">
-              <a:solidFill>
-                <a:srgbClr val="30ACEC"/>
-              </a:solidFill>
-              <a:latin typeface="Montserrat ExtraLight" panose="00000300000000000000" pitchFamily="2" charset="-52"/>
-            </a:endParaRPr>
-          </a:p>
-        </p:txBody>
-      </p:sp>
-      <p:sp>
-        <p:nvSpPr>
-          <p:cNvPr id="3" name="TextBox 2"/>
-          <p:cNvSpPr txBox="1"/>
-          <p:nvPr/>
-        </p:nvSpPr>
-        <p:spPr>
-          <a:xfrm>
-            <a:off x="3884024" y="2394857"/>
-            <a:ext cx="5521234" cy="2616101"/>
-          </a:xfrm>
-          <a:prstGeom prst="rect">
-            <a:avLst/>
-          </a:prstGeom>
-          <a:noFill/>
-        </p:spPr>
-        <p:txBody>
-          <a:bodyPr wrap="square" rtlCol="0">
-            <a:spAutoFit/>
-          </a:bodyPr>
-          <a:lstStyle/>
-          <a:p>
-            <a:pPr marL="342900" indent="-342900" algn="just">
-              <a:buFont typeface="Arial" panose="020B0604020202020204" pitchFamily="34" charset="0"/>
-              <a:buChar char="•"/>
-            </a:pPr>
-            <a:r>
-              <a:rPr lang="uk-UA" sz="2800" dirty="0" smtClean="0">
-                <a:solidFill>
-                  <a:srgbClr val="595959"/>
-                </a:solidFill>
-                <a:latin typeface="Montserrat ExtraLight" panose="00000300000000000000" pitchFamily="2" charset="-52"/>
-              </a:rPr>
-              <a:t>словникові </a:t>
-            </a:r>
-            <a:r>
-              <a:rPr lang="uk-UA" sz="2800" dirty="0">
-                <a:solidFill>
-                  <a:srgbClr val="595959"/>
-                </a:solidFill>
-                <a:latin typeface="Montserrat ExtraLight" panose="00000300000000000000" pitchFamily="2" charset="-52"/>
-              </a:rPr>
-              <a:t>атаки;</a:t>
-            </a:r>
-            <a:endParaRPr lang="ru-RU" sz="2800" dirty="0">
-              <a:solidFill>
-                <a:srgbClr val="595959"/>
-              </a:solidFill>
-              <a:latin typeface="Montserrat ExtraLight" panose="00000300000000000000" pitchFamily="2" charset="-52"/>
-            </a:endParaRPr>
-          </a:p>
-          <a:p>
-            <a:pPr marL="342900" indent="-342900" algn="just">
-              <a:buFont typeface="Arial" panose="020B0604020202020204" pitchFamily="34" charset="0"/>
-              <a:buChar char="•"/>
-            </a:pPr>
-            <a:r>
-              <a:rPr lang="uk-UA" sz="2800" dirty="0" err="1" smtClean="0">
-                <a:solidFill>
-                  <a:srgbClr val="595959"/>
-                </a:solidFill>
-                <a:latin typeface="Montserrat ExtraLight" panose="00000300000000000000" pitchFamily="2" charset="-52"/>
-              </a:rPr>
-              <a:t>брутфорс</a:t>
-            </a:r>
-            <a:r>
-              <a:rPr lang="uk-UA" sz="2800" dirty="0">
-                <a:solidFill>
-                  <a:srgbClr val="595959"/>
-                </a:solidFill>
-                <a:latin typeface="Montserrat ExtraLight" panose="00000300000000000000" pitchFamily="2" charset="-52"/>
-              </a:rPr>
-              <a:t>;</a:t>
-            </a:r>
-            <a:endParaRPr lang="ru-RU" sz="2800" dirty="0">
-              <a:solidFill>
-                <a:srgbClr val="595959"/>
-              </a:solidFill>
-              <a:latin typeface="Montserrat ExtraLight" panose="00000300000000000000" pitchFamily="2" charset="-52"/>
-            </a:endParaRPr>
-          </a:p>
-          <a:p>
-            <a:pPr marL="342900" indent="-342900" algn="just">
-              <a:buFont typeface="Arial" panose="020B0604020202020204" pitchFamily="34" charset="0"/>
-              <a:buChar char="•"/>
-            </a:pPr>
-            <a:r>
-              <a:rPr lang="uk-UA" sz="2800" dirty="0" smtClean="0">
-                <a:solidFill>
-                  <a:srgbClr val="595959"/>
-                </a:solidFill>
-                <a:latin typeface="Montserrat ExtraLight" panose="00000300000000000000" pitchFamily="2" charset="-52"/>
-              </a:rPr>
-              <a:t>таблиці </a:t>
-            </a:r>
-            <a:r>
-              <a:rPr lang="uk-UA" sz="2800" dirty="0">
-                <a:solidFill>
-                  <a:srgbClr val="595959"/>
-                </a:solidFill>
-                <a:latin typeface="Montserrat ExtraLight" panose="00000300000000000000" pitchFamily="2" charset="-52"/>
-              </a:rPr>
-              <a:t>пошуку, </a:t>
-            </a:r>
-            <a:endParaRPr lang="uk-UA" sz="2800" dirty="0" smtClean="0">
-              <a:solidFill>
-                <a:srgbClr val="595959"/>
-              </a:solidFill>
-              <a:latin typeface="Montserrat ExtraLight" panose="00000300000000000000" pitchFamily="2" charset="-52"/>
-            </a:endParaRPr>
-          </a:p>
-          <a:p>
-            <a:pPr marL="342900" indent="-342900" algn="just">
-              <a:buFont typeface="Arial" panose="020B0604020202020204" pitchFamily="34" charset="0"/>
-              <a:buChar char="•"/>
-            </a:pPr>
-            <a:r>
-              <a:rPr lang="uk-UA" sz="2800" dirty="0" smtClean="0">
-                <a:solidFill>
-                  <a:srgbClr val="595959"/>
-                </a:solidFill>
-                <a:latin typeface="Montserrat ExtraLight" panose="00000300000000000000" pitchFamily="2" charset="-52"/>
-              </a:rPr>
-              <a:t>обернені </a:t>
-            </a:r>
-            <a:r>
-              <a:rPr lang="uk-UA" sz="2800" dirty="0">
-                <a:solidFill>
-                  <a:srgbClr val="595959"/>
-                </a:solidFill>
-                <a:latin typeface="Montserrat ExtraLight" panose="00000300000000000000" pitchFamily="2" charset="-52"/>
-              </a:rPr>
-              <a:t>таблиці пошуку;</a:t>
-            </a:r>
-            <a:endParaRPr lang="ru-RU" sz="2800" dirty="0">
-              <a:solidFill>
-                <a:srgbClr val="595959"/>
-              </a:solidFill>
-              <a:latin typeface="Montserrat ExtraLight" panose="00000300000000000000" pitchFamily="2" charset="-52"/>
-            </a:endParaRPr>
-          </a:p>
-          <a:p>
-            <a:pPr marL="342900" indent="-342900" algn="just">
-              <a:buFont typeface="Arial" panose="020B0604020202020204" pitchFamily="34" charset="0"/>
-              <a:buChar char="•"/>
-            </a:pPr>
-            <a:r>
-              <a:rPr lang="uk-UA" sz="2800" dirty="0" smtClean="0">
-                <a:solidFill>
-                  <a:srgbClr val="595959"/>
-                </a:solidFill>
-                <a:latin typeface="Montserrat ExtraLight" panose="00000300000000000000" pitchFamily="2" charset="-52"/>
-              </a:rPr>
-              <a:t>райдужні </a:t>
-            </a:r>
-            <a:r>
-              <a:rPr lang="uk-UA" sz="2800" dirty="0">
-                <a:solidFill>
-                  <a:srgbClr val="595959"/>
-                </a:solidFill>
-                <a:latin typeface="Montserrat ExtraLight" panose="00000300000000000000" pitchFamily="2" charset="-52"/>
-              </a:rPr>
-              <a:t>таблиці пошуку.</a:t>
-            </a:r>
-            <a:endParaRPr lang="ru-RU" sz="2800" dirty="0">
-              <a:solidFill>
-                <a:srgbClr val="595959"/>
-              </a:solidFill>
-              <a:latin typeface="Montserrat ExtraLight" panose="00000300000000000000" pitchFamily="2" charset="-52"/>
-            </a:endParaRPr>
-          </a:p>
-          <a:p>
-            <a:pPr algn="just"/>
-            <a:endParaRPr lang="ru-RU" sz="2400" dirty="0"/>
-          </a:p>
-        </p:txBody>
-      </p:sp>
-    </p:spTree>
-    <p:extLst>
-      <p:ext uri="{BB962C8B-B14F-4D97-AF65-F5344CB8AC3E}">
-        <p14:creationId xmlns:p14="http://schemas.microsoft.com/office/powerpoint/2010/main" val="856460879"/>
-      </p:ext>
-    </p:extLst>
-  </p:cSld>
-  <p:clrMapOvr>
-    <a:masterClrMapping/>
-  </p:clrMapOvr>
-  <p:timing>
-    <p:tnLst>
-      <p:par>
-        <p:cTn id="1" dur="indefinite" restart="never" nodeType="tmRoot"/>
-      </p:par>
-    </p:tnLst>
-  </p:timing>
-</p:sld>
-</file>
-
-<file path=ppt/slides/slide7.xml><?xml version="1.0" encoding="utf-8"?>
-<p:sld xmlns:a="http://schemas.openxmlformats.org/drawingml/2006/main" xmlns:r="http://schemas.openxmlformats.org/officeDocument/2006/relationships" xmlns:p="http://schemas.openxmlformats.org/presentationml/2006/main">
-  <p:cSld>
-    <p:spTree>
-      <p:nvGrpSpPr>
-        <p:cNvPr id="1" name=""/>
-        <p:cNvGrpSpPr/>
-        <p:nvPr/>
-      </p:nvGrpSpPr>
-      <p:grpSpPr>
-        <a:xfrm>
-          <a:off x="0" y="0"/>
-          <a:ext cx="0" cy="0"/>
-          <a:chOff x="0" y="0"/>
-          <a:chExt cx="0" cy="0"/>
-        </a:xfrm>
-      </p:grpSpPr>
-      <p:sp>
-        <p:nvSpPr>
-          <p:cNvPr id="2" name="Заголовок 1"/>
-          <p:cNvSpPr>
-            <a:spLocks noGrp="1"/>
-          </p:cNvSpPr>
-          <p:nvPr>
-            <p:ph type="title"/>
-          </p:nvPr>
-        </p:nvSpPr>
-        <p:spPr/>
-        <p:txBody>
-          <a:bodyPr>
-            <a:normAutofit/>
-          </a:bodyPr>
-          <a:lstStyle/>
-          <a:p>
-            <a:r>
-              <a:rPr lang="uk-UA" sz="5400" dirty="0" smtClean="0">
-                <a:solidFill>
-                  <a:srgbClr val="30ACEC"/>
-                </a:solidFill>
-                <a:latin typeface="Montserrat ExtraLight" panose="00000300000000000000" pitchFamily="2" charset="-52"/>
-                <a:cs typeface="Times New Roman" panose="02020603050405020304" pitchFamily="18" charset="0"/>
-              </a:rPr>
-              <a:t>Використані технології</a:t>
-            </a:r>
-            <a:endParaRPr lang="ru-RU" sz="5400" dirty="0">
-              <a:solidFill>
-                <a:srgbClr val="30ACEC"/>
-              </a:solidFill>
-              <a:latin typeface="Montserrat ExtraLight" panose="00000300000000000000" pitchFamily="2" charset="-52"/>
-              <a:cs typeface="Times New Roman" panose="02020603050405020304" pitchFamily="18" charset="0"/>
-            </a:endParaRPr>
-          </a:p>
-        </p:txBody>
-      </p:sp>
-      <p:pic>
-        <p:nvPicPr>
-          <p:cNvPr id="4098" name="Picture 2" descr="ÐÐ°ÑÑÐ¸Ð½ÐºÐ¸ Ð¿Ð¾ Ð·Ð°Ð¿ÑÐ¾ÑÑ java"/>
-          <p:cNvPicPr>
-            <a:picLocks noGrp="1" noChangeAspect="1" noChangeArrowheads="1"/>
-          </p:cNvPicPr>
-          <p:nvPr>
-            <p:ph sz="half" idx="2"/>
-          </p:nvPr>
-        </p:nvPicPr>
-        <p:blipFill rotWithShape="1">
-          <a:blip r:embed="rId2" cstate="print">
-            <a:extLst>
-              <a:ext uri="{28A0092B-C50C-407E-A947-70E740481C1C}">
-                <a14:useLocalDpi xmlns:a14="http://schemas.microsoft.com/office/drawing/2010/main" val="0"/>
-              </a:ext>
-            </a:extLst>
-          </a:blip>
-          <a:srcRect l="22206" t="21175" r="20392" b="20786"/>
-          <a:stretch/>
-        </p:blipFill>
-        <p:spPr bwMode="auto">
-          <a:xfrm>
-            <a:off x="2066133" y="2858284"/>
-            <a:ext cx="2788442" cy="1409700"/>
-          </a:xfrm>
-          <a:prstGeom prst="rect">
-            <a:avLst/>
-          </a:prstGeom>
-          <a:noFill/>
-          <a:extLst>
-            <a:ext uri="{909E8E84-426E-40DD-AFC4-6F175D3DCCD1}">
-              <a14:hiddenFill xmlns:a14="http://schemas.microsoft.com/office/drawing/2010/main">
-                <a:solidFill>
-                  <a:srgbClr val="FFFFFF"/>
-                </a:solidFill>
-              </a14:hiddenFill>
-            </a:ext>
-          </a:extLst>
-        </p:spPr>
-      </p:pic>
-      <p:pic>
-        <p:nvPicPr>
-          <p:cNvPr id="4102" name="Picture 6" descr="ÐÐ°ÑÑÐ¸Ð½ÐºÐ¸ Ð¿Ð¾ Ð·Ð°Ð¿ÑÐ¾ÑÑ mvc"/>
-          <p:cNvPicPr>
-            <a:picLocks noChangeAspect="1" noChangeArrowheads="1"/>
-          </p:cNvPicPr>
-          <p:nvPr/>
-        </p:nvPicPr>
-        <p:blipFill>
-          <a:blip r:embed="rId3">
-            <a:extLst>
-              <a:ext uri="{28A0092B-C50C-407E-A947-70E740481C1C}">
-                <a14:useLocalDpi xmlns:a14="http://schemas.microsoft.com/office/drawing/2010/main" val="0"/>
-              </a:ext>
-            </a:extLst>
-          </a:blip>
-          <a:srcRect/>
-          <a:stretch>
-            <a:fillRect/>
-          </a:stretch>
-        </p:blipFill>
-        <p:spPr bwMode="auto">
-          <a:xfrm>
-            <a:off x="5783963" y="2636875"/>
-            <a:ext cx="1847850" cy="1721975"/>
-          </a:xfrm>
-          <a:prstGeom prst="rect">
-            <a:avLst/>
-          </a:prstGeom>
-          <a:noFill/>
-          <a:extLst>
-            <a:ext uri="{909E8E84-426E-40DD-AFC4-6F175D3DCCD1}">
-              <a14:hiddenFill xmlns:a14="http://schemas.microsoft.com/office/drawing/2010/main">
-                <a:solidFill>
-                  <a:srgbClr val="FFFFFF"/>
-                </a:solidFill>
-              </a14:hiddenFill>
-            </a:ext>
-          </a:extLst>
-        </p:spPr>
-      </p:pic>
-      <p:pic>
-        <p:nvPicPr>
-          <p:cNvPr id="4106" name="Picture 10" descr="ÐÐ°ÑÑÐ¸Ð½ÐºÐ¸ Ð¿Ð¾ Ð·Ð°Ð¿ÑÐ¾ÑÑ intellij idea"/>
-          <p:cNvPicPr>
-            <a:picLocks noChangeAspect="1" noChangeArrowheads="1"/>
-          </p:cNvPicPr>
-          <p:nvPr/>
-        </p:nvPicPr>
-        <p:blipFill rotWithShape="1">
-          <a:blip r:embed="rId4">
-            <a:extLst>
-              <a:ext uri="{28A0092B-C50C-407E-A947-70E740481C1C}">
-                <a14:useLocalDpi xmlns:a14="http://schemas.microsoft.com/office/drawing/2010/main" val="0"/>
-              </a:ext>
-            </a:extLst>
-          </a:blip>
-          <a:srcRect l="2290" t="1154" r="2189" b="2108"/>
-          <a:stretch/>
-        </p:blipFill>
-        <p:spPr bwMode="auto">
-          <a:xfrm>
-            <a:off x="8605837" y="2752724"/>
-            <a:ext cx="1862137" cy="1881189"/>
-          </a:xfrm>
-          <a:prstGeom prst="rect">
-            <a:avLst/>
-          </a:prstGeom>
-          <a:noFill/>
-          <a:extLst>
-            <a:ext uri="{909E8E84-426E-40DD-AFC4-6F175D3DCCD1}">
-              <a14:hiddenFill xmlns:a14="http://schemas.microsoft.com/office/drawing/2010/main">
-                <a:solidFill>
-                  <a:srgbClr val="FFFFFF"/>
-                </a:solidFill>
-              </a14:hiddenFill>
-            </a:ext>
-          </a:extLst>
-        </p:spPr>
-      </p:pic>
-      <p:pic>
-        <p:nvPicPr>
-          <p:cNvPr id="4108" name="Picture 12" descr="ÐÐ°ÑÑÐ¸Ð½ÐºÐ¸ Ð¿Ð¾ Ð·Ð°Ð¿ÑÐ¾ÑÑ mysql"/>
-          <p:cNvPicPr>
-            <a:picLocks noChangeAspect="1" noChangeArrowheads="1"/>
-          </p:cNvPicPr>
-          <p:nvPr/>
-        </p:nvPicPr>
-        <p:blipFill>
-          <a:blip r:embed="rId5">
-            <a:extLst>
-              <a:ext uri="{28A0092B-C50C-407E-A947-70E740481C1C}">
-                <a14:useLocalDpi xmlns:a14="http://schemas.microsoft.com/office/drawing/2010/main" val="0"/>
-              </a:ext>
-            </a:extLst>
-          </a:blip>
-          <a:srcRect/>
-          <a:stretch>
-            <a:fillRect/>
-          </a:stretch>
-        </p:blipFill>
-        <p:spPr bwMode="auto">
-          <a:xfrm>
-            <a:off x="5368805" y="4633913"/>
-            <a:ext cx="2249724" cy="1798638"/>
-          </a:xfrm>
-          <a:prstGeom prst="rect">
-            <a:avLst/>
-          </a:prstGeom>
-          <a:noFill/>
-          <a:extLst>
-            <a:ext uri="{909E8E84-426E-40DD-AFC4-6F175D3DCCD1}">
-              <a14:hiddenFill xmlns:a14="http://schemas.microsoft.com/office/drawing/2010/main">
-                <a:solidFill>
-                  <a:srgbClr val="FFFFFF"/>
-                </a:solidFill>
-              </a14:hiddenFill>
-            </a:ext>
-          </a:extLst>
-        </p:spPr>
-      </p:pic>
-    </p:spTree>
-    <p:extLst>
-      <p:ext uri="{BB962C8B-B14F-4D97-AF65-F5344CB8AC3E}">
-        <p14:creationId xmlns:p14="http://schemas.microsoft.com/office/powerpoint/2010/main" val="1222804981"/>
-      </p:ext>
-    </p:extLst>
-  </p:cSld>
-  <p:clrMapOvr>
-    <a:masterClrMapping/>
-  </p:clrMapOvr>
-  <p:timing>
-    <p:tnLst>
-      <p:par>
-        <p:cTn id="1" dur="indefinite" restart="never" nodeType="tmRoot"/>
-      </p:par>
-    </p:tnLst>
-  </p:timing>
-</p:sld>
-</file>
-
-<file path=ppt/slides/slide8.xml><?xml version="1.0" encoding="utf-8"?>
-<p:sld xmlns:a="http://schemas.openxmlformats.org/drawingml/2006/main" xmlns:r="http://schemas.openxmlformats.org/officeDocument/2006/relationships" xmlns:p="http://schemas.openxmlformats.org/presentationml/2006/main">
-  <p:cSld>
-    <p:spTree>
-      <p:nvGrpSpPr>
-        <p:cNvPr id="1" name=""/>
-        <p:cNvGrpSpPr/>
-        <p:nvPr/>
-      </p:nvGrpSpPr>
-      <p:grpSpPr>
-        <a:xfrm>
-          <a:off x="0" y="0"/>
-          <a:ext cx="0" cy="0"/>
-          <a:chOff x="0" y="0"/>
-          <a:chExt cx="0" cy="0"/>
-        </a:xfrm>
-      </p:grpSpPr>
-      <p:sp>
-        <p:nvSpPr>
-          <p:cNvPr id="2" name="Заголовок 1"/>
-          <p:cNvSpPr>
-            <a:spLocks noGrp="1"/>
-          </p:cNvSpPr>
-          <p:nvPr>
-            <p:ph type="title"/>
-          </p:nvPr>
-        </p:nvSpPr>
-        <p:spPr>
-          <a:xfrm>
-            <a:off x="1484312" y="1600199"/>
-            <a:ext cx="3549121" cy="1822269"/>
-          </a:xfrm>
-        </p:spPr>
-        <p:txBody>
-          <a:bodyPr>
-            <a:normAutofit/>
-          </a:bodyPr>
-          <a:lstStyle/>
-          <a:p>
-            <a:r>
-              <a:rPr lang="ru-RU" sz="4800" dirty="0" smtClean="0">
-                <a:solidFill>
-                  <a:srgbClr val="30ACEC"/>
-                </a:solidFill>
-                <a:latin typeface="Montserrat ExtraLight" panose="00000300000000000000" pitchFamily="2" charset="-52"/>
-                <a:ea typeface="Roboto Light" panose="02000000000000000000" pitchFamily="2" charset="0"/>
-                <a:cs typeface="Roboto Light" panose="02000000000000000000" pitchFamily="2" charset="0"/>
-              </a:rPr>
-              <a:t>База </a:t>
-            </a:r>
-            <a:r>
-              <a:rPr lang="uk-UA" sz="4800" dirty="0" smtClean="0">
-                <a:solidFill>
-                  <a:srgbClr val="30ACEC"/>
-                </a:solidFill>
-                <a:latin typeface="Montserrat ExtraLight" panose="00000300000000000000" pitchFamily="2" charset="-52"/>
-                <a:ea typeface="Roboto Light" panose="02000000000000000000" pitchFamily="2" charset="0"/>
-                <a:cs typeface="Roboto Light" panose="02000000000000000000" pitchFamily="2" charset="0"/>
-              </a:rPr>
-              <a:t>даних</a:t>
-            </a:r>
-            <a:endParaRPr lang="uk-UA" sz="4800" dirty="0">
-              <a:solidFill>
-                <a:srgbClr val="30ACEC"/>
-              </a:solidFill>
-              <a:latin typeface="Montserrat ExtraLight" panose="00000300000000000000" pitchFamily="2" charset="-52"/>
-              <a:ea typeface="Roboto Light" panose="02000000000000000000" pitchFamily="2" charset="0"/>
-              <a:cs typeface="Roboto Light" panose="02000000000000000000" pitchFamily="2" charset="0"/>
-            </a:endParaRPr>
-          </a:p>
-        </p:txBody>
-      </p:sp>
-      <p:sp>
-        <p:nvSpPr>
-          <p:cNvPr id="8" name="Объект 7"/>
-          <p:cNvSpPr>
-            <a:spLocks noGrp="1"/>
-          </p:cNvSpPr>
-          <p:nvPr>
-            <p:ph idx="1"/>
-          </p:nvPr>
-        </p:nvSpPr>
-        <p:spPr>
-          <a:xfrm>
-            <a:off x="5648325" y="471487"/>
-            <a:ext cx="5600700" cy="5895975"/>
-          </a:xfrm>
-        </p:spPr>
-        <p:txBody>
-          <a:bodyPr/>
-          <a:lstStyle/>
-          <a:p>
-            <a:pPr marL="0" indent="0">
-              <a:buNone/>
-            </a:pPr>
-            <a:endParaRPr lang="ru-RU" dirty="0"/>
-          </a:p>
-        </p:txBody>
-      </p:sp>
-      <p:pic>
-        <p:nvPicPr>
-          <p:cNvPr id="7" name="Рисунок 6"/>
-          <p:cNvPicPr>
-            <a:picLocks noChangeAspect="1"/>
-          </p:cNvPicPr>
-          <p:nvPr/>
-        </p:nvPicPr>
-        <p:blipFill>
-          <a:blip r:embed="rId2"/>
-          <a:stretch>
-            <a:fillRect/>
-          </a:stretch>
-        </p:blipFill>
-        <p:spPr>
-          <a:xfrm>
-            <a:off x="5648325" y="471487"/>
-            <a:ext cx="5600700" cy="5895975"/>
-          </a:xfrm>
-          <a:prstGeom prst="rect">
-            <a:avLst/>
-          </a:prstGeom>
-        </p:spPr>
-      </p:pic>
-    </p:spTree>
-    <p:extLst>
-      <p:ext uri="{BB962C8B-B14F-4D97-AF65-F5344CB8AC3E}">
-        <p14:creationId xmlns:p14="http://schemas.microsoft.com/office/powerpoint/2010/main" val="2724332384"/>
-      </p:ext>
-    </p:extLst>
-  </p:cSld>
-  <p:clrMapOvr>
-    <a:masterClrMapping/>
-  </p:clrMapOvr>
-  <p:timing>
-    <p:tnLst>
-      <p:par>
-        <p:cTn id="1" dur="indefinite" restart="never" nodeType="tmRoot"/>
-      </p:par>
-    </p:tnLst>
-  </p:timing>
-</p:sld>
-</file>
-
 <file path=ppt/slides/slide9.xml><?xml version="1.0" encoding="utf-8"?>
 <p:sld xmlns:a="http://schemas.openxmlformats.org/drawingml/2006/main" xmlns:r="http://schemas.openxmlformats.org/officeDocument/2006/relationships" xmlns:p="http://schemas.openxmlformats.org/presentationml/2006/main">
   <p:cSld>
@@ -8744,223 +9463,281 @@
       </p:grpSpPr>
       <p:sp>
         <p:nvSpPr>
-          <p:cNvPr id="2" name="Заголовок 1"/>
-          <p:cNvSpPr>
-            <a:spLocks noGrp="1"/>
-          </p:cNvSpPr>
-          <p:nvPr>
-            <p:ph type="title"/>
-          </p:nvPr>
+          <p:cNvPr id="8" name="TextBox 7"/>
+          <p:cNvSpPr txBox="1"/>
+          <p:nvPr/>
         </p:nvSpPr>
         <p:spPr>
           <a:xfrm>
-            <a:off x="2019300" y="661170"/>
-            <a:ext cx="6854734" cy="671241"/>
+            <a:off x="1123731" y="3943634"/>
+            <a:ext cx="4897495" cy="1323439"/>
           </a:xfrm>
-          <a:effectLst/>
+          <a:prstGeom prst="rect">
+            <a:avLst/>
+          </a:prstGeom>
+          <a:noFill/>
         </p:spPr>
         <p:txBody>
-          <a:bodyPr vert="horz" lIns="91440" tIns="45720" rIns="91440" bIns="45720" rtlCol="0" anchor="b">
-            <a:noAutofit/>
+          <a:bodyPr wrap="none" rtlCol="0">
+            <a:spAutoFit/>
           </a:bodyPr>
           <a:lstStyle/>
           <a:p>
-            <a:pPr algn="l"/>
-            <a:r>
-              <a:rPr lang="uk-UA" sz="3200" spc="200" dirty="0" smtClean="0">
-                <a:solidFill>
-                  <a:srgbClr val="30ACEC"/>
+            <a:pPr algn="r"/>
+            <a:r>
+              <a:rPr lang="en-US" sz="2000" dirty="0">
+                <a:solidFill>
+                  <a:schemeClr val="tx2"/>
                 </a:solidFill>
                 <a:latin typeface="Montserrat ExtraLight" panose="00000300000000000000" pitchFamily="2" charset="-52"/>
-                <a:ea typeface="Roboto Light" panose="02000000000000000000" pitchFamily="2" charset="0"/>
-                <a:cs typeface="Roboto Light" panose="02000000000000000000" pitchFamily="2" charset="0"/>
-              </a:rPr>
-              <a:t>Класи серверної </a:t>
-            </a:r>
-            <a:r>
-              <a:rPr lang="uk-UA" sz="3200" spc="200" dirty="0">
-                <a:solidFill>
-                  <a:srgbClr val="30ACEC"/>
+              </a:rPr>
+              <a:t>AES –</a:t>
+            </a:r>
+            <a:r>
+              <a:rPr lang="en-US" sz="2000" dirty="0" smtClean="0">
+                <a:solidFill>
+                  <a:schemeClr val="tx2"/>
                 </a:solidFill>
                 <a:latin typeface="Montserrat ExtraLight" panose="00000300000000000000" pitchFamily="2" charset="-52"/>
-                <a:ea typeface="Roboto Light" panose="02000000000000000000" pitchFamily="2" charset="0"/>
-                <a:cs typeface="Roboto Light" panose="02000000000000000000" pitchFamily="2" charset="0"/>
-              </a:rPr>
-              <a:t>частини</a:t>
-            </a:r>
-            <a:endParaRPr lang="ru-RU" sz="3200" spc="200" dirty="0">
+              </a:rPr>
+              <a:t> </a:t>
+            </a:r>
+            <a:r>
+              <a:rPr lang="en-US" sz="2000" dirty="0">
+                <a:solidFill>
+                  <a:schemeClr val="tx2"/>
+                </a:solidFill>
+                <a:latin typeface="Montserrat ExtraLight" panose="00000300000000000000" pitchFamily="2" charset="-52"/>
+              </a:rPr>
+              <a:t>Advanced Encryption </a:t>
+            </a:r>
+            <a:r>
+              <a:rPr lang="en-US" sz="2000" dirty="0" smtClean="0">
+                <a:solidFill>
+                  <a:schemeClr val="tx2"/>
+                </a:solidFill>
+                <a:latin typeface="Montserrat ExtraLight" panose="00000300000000000000" pitchFamily="2" charset="-52"/>
+              </a:rPr>
+              <a:t>Standard</a:t>
+            </a:r>
+          </a:p>
+          <a:p>
+            <a:pPr algn="r"/>
+            <a:r>
+              <a:rPr lang="en-US" sz="2000" dirty="0">
+                <a:solidFill>
+                  <a:schemeClr val="tx2"/>
+                </a:solidFill>
+                <a:latin typeface="Montserrat ExtraLight" panose="00000300000000000000" pitchFamily="2" charset="-52"/>
+              </a:rPr>
+              <a:t>DES –</a:t>
+            </a:r>
+            <a:r>
+              <a:rPr lang="en-US" sz="2000" dirty="0" smtClean="0">
+                <a:solidFill>
+                  <a:schemeClr val="tx2"/>
+                </a:solidFill>
+                <a:latin typeface="Montserrat ExtraLight" panose="00000300000000000000" pitchFamily="2" charset="-52"/>
+              </a:rPr>
+              <a:t> </a:t>
+            </a:r>
+            <a:r>
+              <a:rPr lang="en-US" sz="2000" dirty="0">
+                <a:solidFill>
+                  <a:schemeClr val="tx2"/>
+                </a:solidFill>
+                <a:latin typeface="Montserrat ExtraLight" panose="00000300000000000000" pitchFamily="2" charset="-52"/>
+              </a:rPr>
+              <a:t>Data Encryption Standard</a:t>
+            </a:r>
+            <a:endParaRPr lang="en-US" sz="2000" dirty="0" smtClean="0">
               <a:solidFill>
-                <a:srgbClr val="30ACEC"/>
+                <a:schemeClr val="tx2"/>
               </a:solidFill>
               <a:latin typeface="Montserrat ExtraLight" panose="00000300000000000000" pitchFamily="2" charset="-52"/>
-              <a:ea typeface="Roboto Light" panose="02000000000000000000" pitchFamily="2" charset="0"/>
-              <a:cs typeface="Roboto Light" panose="02000000000000000000" pitchFamily="2" charset="0"/>
+            </a:endParaRPr>
+          </a:p>
+          <a:p>
+            <a:pPr algn="r"/>
+            <a:r>
+              <a:rPr lang="en-US" sz="2000" dirty="0" smtClean="0">
+                <a:solidFill>
+                  <a:schemeClr val="tx2"/>
+                </a:solidFill>
+                <a:latin typeface="Montserrat ExtraLight" panose="00000300000000000000" pitchFamily="2" charset="-52"/>
+              </a:rPr>
+              <a:t>RSA – </a:t>
+            </a:r>
+            <a:r>
+              <a:rPr lang="en-US" sz="2000" dirty="0" err="1" smtClean="0">
+                <a:solidFill>
+                  <a:schemeClr val="tx2"/>
+                </a:solidFill>
+                <a:latin typeface="Montserrat ExtraLight" panose="00000300000000000000" pitchFamily="2" charset="-52"/>
+              </a:rPr>
+              <a:t>Rivest</a:t>
+            </a:r>
+            <a:r>
+              <a:rPr lang="ru-RU" sz="2000" dirty="0" smtClean="0">
+                <a:solidFill>
+                  <a:schemeClr val="tx2"/>
+                </a:solidFill>
+                <a:latin typeface="Montserrat ExtraLight" panose="00000300000000000000" pitchFamily="2" charset="-52"/>
+              </a:rPr>
+              <a:t> </a:t>
+            </a:r>
+            <a:r>
+              <a:rPr lang="en-US" sz="2000" dirty="0" smtClean="0">
+                <a:solidFill>
+                  <a:schemeClr val="tx2"/>
+                </a:solidFill>
+                <a:latin typeface="Montserrat ExtraLight" panose="00000300000000000000" pitchFamily="2" charset="-52"/>
+              </a:rPr>
+              <a:t>Shamir</a:t>
+            </a:r>
+            <a:r>
+              <a:rPr lang="ru-RU" sz="2000" dirty="0" smtClean="0">
+                <a:solidFill>
+                  <a:schemeClr val="tx2"/>
+                </a:solidFill>
+                <a:latin typeface="Montserrat ExtraLight" panose="00000300000000000000" pitchFamily="2" charset="-52"/>
+              </a:rPr>
+              <a:t> </a:t>
+            </a:r>
+            <a:r>
+              <a:rPr lang="en-US" sz="2000" dirty="0" err="1" smtClean="0">
+                <a:solidFill>
+                  <a:schemeClr val="tx2"/>
+                </a:solidFill>
+                <a:latin typeface="Montserrat ExtraLight" panose="00000300000000000000" pitchFamily="2" charset="-52"/>
+              </a:rPr>
+              <a:t>Adleman</a:t>
+            </a:r>
+            <a:endParaRPr lang="en-US" sz="2000" dirty="0" smtClean="0">
+              <a:solidFill>
+                <a:schemeClr val="tx2"/>
+              </a:solidFill>
+              <a:latin typeface="Montserrat ExtraLight" panose="00000300000000000000" pitchFamily="2" charset="-52"/>
+            </a:endParaRPr>
+          </a:p>
+          <a:p>
+            <a:pPr algn="r"/>
+            <a:r>
+              <a:rPr lang="en-US" sz="2000" dirty="0" smtClean="0">
+                <a:solidFill>
+                  <a:schemeClr val="tx2"/>
+                </a:solidFill>
+                <a:latin typeface="Montserrat ExtraLight" panose="00000300000000000000" pitchFamily="2" charset="-52"/>
+              </a:rPr>
+              <a:t>Blowfish</a:t>
+            </a:r>
+          </a:p>
+        </p:txBody>
+      </p:sp>
+      <p:sp>
+        <p:nvSpPr>
+          <p:cNvPr id="7" name="TextBox 6"/>
+          <p:cNvSpPr txBox="1"/>
+          <p:nvPr/>
+        </p:nvSpPr>
+        <p:spPr>
+          <a:xfrm>
+            <a:off x="2353060" y="1102658"/>
+            <a:ext cx="3560590" cy="1200329"/>
+          </a:xfrm>
+          <a:prstGeom prst="rect">
+            <a:avLst/>
+          </a:prstGeom>
+          <a:noFill/>
+        </p:spPr>
+        <p:txBody>
+          <a:bodyPr wrap="none" rtlCol="0">
+            <a:spAutoFit/>
+          </a:bodyPr>
+          <a:lstStyle/>
+          <a:p>
+            <a:pPr algn="r"/>
+            <a:r>
+              <a:rPr lang="uk-UA" sz="3600" dirty="0" smtClean="0">
+                <a:solidFill>
+                  <a:schemeClr val="tx2"/>
+                </a:solidFill>
+                <a:latin typeface="Montserrat ExtraLight" panose="00000300000000000000" pitchFamily="2" charset="-52"/>
+              </a:rPr>
+              <a:t>Відомі методи</a:t>
+            </a:r>
+            <a:endParaRPr lang="en-US" sz="3600" dirty="0" smtClean="0">
+              <a:solidFill>
+                <a:schemeClr val="tx2"/>
+              </a:solidFill>
+              <a:latin typeface="Montserrat ExtraLight" panose="00000300000000000000" pitchFamily="2" charset="-52"/>
+            </a:endParaRPr>
+          </a:p>
+          <a:p>
+            <a:pPr algn="r"/>
+            <a:r>
+              <a:rPr lang="uk-UA" sz="3600" dirty="0" smtClean="0">
+                <a:solidFill>
+                  <a:schemeClr val="tx2"/>
+                </a:solidFill>
+                <a:latin typeface="Montserrat ExtraLight" panose="00000300000000000000" pitchFamily="2" charset="-52"/>
+              </a:rPr>
+              <a:t>шифрування</a:t>
+            </a:r>
+            <a:endParaRPr lang="ru-RU" sz="3600" dirty="0">
+              <a:solidFill>
+                <a:schemeClr val="tx2"/>
+              </a:solidFill>
+              <a:latin typeface="Montserrat ExtraLight" panose="00000300000000000000" pitchFamily="2" charset="-52"/>
             </a:endParaRPr>
           </a:p>
         </p:txBody>
       </p:sp>
       <p:pic>
         <p:nvPicPr>
-          <p:cNvPr id="5" name="Объект 4"/>
+          <p:cNvPr id="3078" name="Picture 6" descr="Шифрование методом перестановки. Виды и способы шифров"/>
           <p:cNvPicPr>
-            <a:picLocks noGrp="1" noChangeAspect="1"/>
+            <a:picLocks noChangeAspect="1" noChangeArrowheads="1"/>
           </p:cNvPicPr>
-          <p:nvPr>
-            <p:ph idx="1"/>
-          </p:nvPr>
+          <p:nvPr/>
         </p:nvPicPr>
         <p:blipFill>
-          <a:blip r:embed="rId2"/>
+          <a:blip r:embed="rId2">
+            <a:extLst>
+              <a:ext uri="{28A0092B-C50C-407E-A947-70E740481C1C}">
+                <a14:useLocalDpi xmlns:a14="http://schemas.microsoft.com/office/drawing/2010/main" val="0"/>
+              </a:ext>
+            </a:extLst>
+          </a:blip>
+          <a:srcRect/>
           <a:stretch>
             <a:fillRect/>
           </a:stretch>
         </p:blipFill>
-        <p:spPr>
+        <p:spPr bwMode="auto">
           <a:xfrm>
-            <a:off x="6275592" y="2008822"/>
-            <a:ext cx="4305322" cy="3223045"/>
+            <a:off x="6021226" y="1183341"/>
+            <a:ext cx="5740467" cy="4329953"/>
           </a:xfrm>
           <a:prstGeom prst="rect">
             <a:avLst/>
           </a:prstGeom>
+          <a:noFill/>
+          <a:extLst>
+            <a:ext uri="{909E8E84-426E-40DD-AFC4-6F175D3DCCD1}">
+              <a14:hiddenFill xmlns:a14="http://schemas.microsoft.com/office/drawing/2010/main">
+                <a:solidFill>
+                  <a:srgbClr val="FFFFFF"/>
+                </a:solidFill>
+              </a14:hiddenFill>
+            </a:ext>
+          </a:extLst>
         </p:spPr>
       </p:pic>
-      <p:sp>
-        <p:nvSpPr>
-          <p:cNvPr id="4" name="Текст 3"/>
-          <p:cNvSpPr>
-            <a:spLocks noGrp="1"/>
-          </p:cNvSpPr>
-          <p:nvPr>
-            <p:ph type="body" sz="half" idx="2"/>
-          </p:nvPr>
-        </p:nvSpPr>
-        <p:spPr>
-          <a:xfrm>
-            <a:off x="2019300" y="2008821"/>
-            <a:ext cx="3475809" cy="3223045"/>
-          </a:xfrm>
-        </p:spPr>
-        <p:txBody>
-          <a:bodyPr>
-            <a:noAutofit/>
-          </a:bodyPr>
-          <a:lstStyle/>
-          <a:p>
-            <a:pPr marL="285750" indent="-285750" algn="l">
-              <a:buFont typeface="Arial" panose="020B0604020202020204" pitchFamily="34" charset="0"/>
-              <a:buChar char="•"/>
-            </a:pPr>
-            <a:r>
-              <a:rPr lang="en-US" sz="1800" dirty="0" smtClean="0">
-                <a:solidFill>
-                  <a:srgbClr val="595959"/>
-                </a:solidFill>
-                <a:latin typeface="Montserrat ExtraLight" panose="00000300000000000000" pitchFamily="2" charset="-52"/>
-                <a:ea typeface="Roboto Light" panose="02000000000000000000" pitchFamily="2" charset="0"/>
-                <a:cs typeface="Roboto Light" panose="02000000000000000000" pitchFamily="2" charset="0"/>
-              </a:rPr>
-              <a:t>Message</a:t>
-            </a:r>
-          </a:p>
-          <a:p>
-            <a:pPr marL="285750" indent="-285750" algn="l">
-              <a:buFont typeface="Arial" panose="020B0604020202020204" pitchFamily="34" charset="0"/>
-              <a:buChar char="•"/>
-            </a:pPr>
-            <a:r>
-              <a:rPr lang="en-US" sz="1800" dirty="0" err="1" smtClean="0">
-                <a:solidFill>
-                  <a:srgbClr val="595959"/>
-                </a:solidFill>
-                <a:latin typeface="Montserrat ExtraLight" panose="00000300000000000000" pitchFamily="2" charset="-52"/>
-                <a:ea typeface="Roboto Light" panose="02000000000000000000" pitchFamily="2" charset="0"/>
-                <a:cs typeface="Roboto Light" panose="02000000000000000000" pitchFamily="2" charset="0"/>
-              </a:rPr>
-              <a:t>ServerFrame</a:t>
-            </a:r>
-            <a:endParaRPr lang="en-US" sz="1800" dirty="0" smtClean="0">
-              <a:solidFill>
-                <a:srgbClr val="595959"/>
-              </a:solidFill>
-              <a:latin typeface="Montserrat ExtraLight" panose="00000300000000000000" pitchFamily="2" charset="-52"/>
-              <a:ea typeface="Roboto Light" panose="02000000000000000000" pitchFamily="2" charset="0"/>
-              <a:cs typeface="Roboto Light" panose="02000000000000000000" pitchFamily="2" charset="0"/>
-            </a:endParaRPr>
-          </a:p>
-          <a:p>
-            <a:pPr marL="285750" indent="-285750" algn="l">
-              <a:buFont typeface="Arial" panose="020B0604020202020204" pitchFamily="34" charset="0"/>
-              <a:buChar char="•"/>
-            </a:pPr>
-            <a:r>
-              <a:rPr lang="en-US" sz="1800" dirty="0" err="1" smtClean="0">
-                <a:solidFill>
-                  <a:srgbClr val="595959"/>
-                </a:solidFill>
-                <a:latin typeface="Montserrat ExtraLight" panose="00000300000000000000" pitchFamily="2" charset="-52"/>
-                <a:ea typeface="Roboto Light" panose="02000000000000000000" pitchFamily="2" charset="0"/>
-                <a:cs typeface="Roboto Light" panose="02000000000000000000" pitchFamily="2" charset="0"/>
-              </a:rPr>
-              <a:t>ServerThread</a:t>
-            </a:r>
-            <a:endParaRPr lang="en-US" sz="1800" dirty="0" smtClean="0">
-              <a:solidFill>
-                <a:srgbClr val="595959"/>
-              </a:solidFill>
-              <a:latin typeface="Montserrat ExtraLight" panose="00000300000000000000" pitchFamily="2" charset="-52"/>
-              <a:ea typeface="Roboto Light" panose="02000000000000000000" pitchFamily="2" charset="0"/>
-              <a:cs typeface="Roboto Light" panose="02000000000000000000" pitchFamily="2" charset="0"/>
-            </a:endParaRPr>
-          </a:p>
-          <a:p>
-            <a:pPr marL="285750" indent="-285750" algn="l">
-              <a:buFont typeface="Arial" panose="020B0604020202020204" pitchFamily="34" charset="0"/>
-              <a:buChar char="•"/>
-            </a:pPr>
-            <a:r>
-              <a:rPr lang="en-US" sz="1800" dirty="0" smtClean="0">
-                <a:solidFill>
-                  <a:srgbClr val="595959"/>
-                </a:solidFill>
-                <a:latin typeface="Montserrat ExtraLight" panose="00000300000000000000" pitchFamily="2" charset="-52"/>
-                <a:ea typeface="Roboto Light" panose="02000000000000000000" pitchFamily="2" charset="0"/>
-                <a:cs typeface="Roboto Light" panose="02000000000000000000" pitchFamily="2" charset="0"/>
-              </a:rPr>
-              <a:t>Database</a:t>
-            </a:r>
-          </a:p>
-          <a:p>
-            <a:pPr marL="285750" indent="-285750" algn="l">
-              <a:buFont typeface="Arial" panose="020B0604020202020204" pitchFamily="34" charset="0"/>
-              <a:buChar char="•"/>
-            </a:pPr>
-            <a:r>
-              <a:rPr lang="en-US" sz="1800" dirty="0" err="1" smtClean="0">
-                <a:solidFill>
-                  <a:srgbClr val="595959"/>
-                </a:solidFill>
-                <a:latin typeface="Montserrat ExtraLight" panose="00000300000000000000" pitchFamily="2" charset="-52"/>
-                <a:ea typeface="Roboto Light" panose="02000000000000000000" pitchFamily="2" charset="0"/>
-                <a:cs typeface="Roboto Light" panose="02000000000000000000" pitchFamily="2" charset="0"/>
-              </a:rPr>
-              <a:t>SocketServer</a:t>
-            </a:r>
-            <a:endParaRPr lang="ru-RU" sz="1800" dirty="0">
-              <a:solidFill>
-                <a:srgbClr val="595959"/>
-              </a:solidFill>
-              <a:latin typeface="Montserrat ExtraLight" panose="00000300000000000000" pitchFamily="2" charset="-52"/>
-              <a:ea typeface="Roboto Light" panose="02000000000000000000" pitchFamily="2" charset="0"/>
-              <a:cs typeface="Roboto Light" panose="02000000000000000000" pitchFamily="2" charset="0"/>
-            </a:endParaRPr>
-          </a:p>
-        </p:txBody>
-      </p:sp>
     </p:spTree>
     <p:extLst>
       <p:ext uri="{BB962C8B-B14F-4D97-AF65-F5344CB8AC3E}">
-        <p14:creationId xmlns:p14="http://schemas.microsoft.com/office/powerpoint/2010/main" val="3151084198"/>
+        <p14:creationId xmlns:p14="http://schemas.microsoft.com/office/powerpoint/2010/main" val="517017418"/>
       </p:ext>
     </p:extLst>
   </p:cSld>
@@ -9231,4 +10008,265 @@
     </a:ext>
   </a:extLst>
 </a:theme>
+</file>
+
+<file path=ppt/theme/theme2.xml><?xml version="1.0" encoding="utf-8"?>
+<a:theme xmlns:a="http://schemas.openxmlformats.org/drawingml/2006/main" name="Тема Office">
+  <a:themeElements>
+    <a:clrScheme name="Стандартная">
+      <a:dk1>
+        <a:sysClr val="windowText" lastClr="000000"/>
+      </a:dk1>
+      <a:lt1>
+        <a:sysClr val="window" lastClr="FFFFFF"/>
+      </a:lt1>
+      <a:dk2>
+        <a:srgbClr val="44546A"/>
+      </a:dk2>
+      <a:lt2>
+        <a:srgbClr val="E7E6E6"/>
+      </a:lt2>
+      <a:accent1>
+        <a:srgbClr val="5B9BD5"/>
+      </a:accent1>
+      <a:accent2>
+        <a:srgbClr val="ED7D31"/>
+      </a:accent2>
+      <a:accent3>
+        <a:srgbClr val="A5A5A5"/>
+      </a:accent3>
+      <a:accent4>
+        <a:srgbClr val="FFC000"/>
+      </a:accent4>
+      <a:accent5>
+        <a:srgbClr val="4472C4"/>
+      </a:accent5>
+      <a:accent6>
+        <a:srgbClr val="70AD47"/>
+      </a:accent6>
+      <a:hlink>
+        <a:srgbClr val="0563C1"/>
+      </a:hlink>
+      <a:folHlink>
+        <a:srgbClr val="954F72"/>
+      </a:folHlink>
+    </a:clrScheme>
+    <a:fontScheme name="Стандартная">
+      <a:majorFont>
+        <a:latin typeface="Calibri Light" panose="020F0302020204030204"/>
+        <a:ea typeface=""/>
+        <a:cs typeface=""/>
+        <a:font script="Jpan" typeface="游ゴシック Light"/>
+        <a:font script="Hang" typeface="맑은 고딕"/>
+        <a:font script="Hans" typeface="等线 Light"/>
+        <a:font script="Hant" typeface="新細明體"/>
+        <a:font script="Arab" typeface="Times New Roman"/>
+        <a:font script="Hebr" typeface="Times New Roman"/>
+        <a:font script="Thai" typeface="Angsana New"/>
+        <a:font script="Ethi" typeface="Nyala"/>
+        <a:font script="Beng" typeface="Vrinda"/>
+        <a:font script="Gujr" typeface="Shruti"/>
+        <a:font script="Khmr" typeface="MoolBoran"/>
+        <a:font script="Knda" typeface="Tunga"/>
+        <a:font script="Guru" typeface="Raavi"/>
+        <a:font script="Cans" typeface="Euphemia"/>
+        <a:font script="Cher" typeface="Plantagenet Cherokee"/>
+        <a:font script="Yiii" typeface="Microsoft Yi Baiti"/>
+        <a:font script="Tibt" typeface="Microsoft Himalaya"/>
+        <a:font script="Thaa" typeface="MV Boli"/>
+        <a:font script="Deva" typeface="Mangal"/>
+        <a:font script="Telu" typeface="Gautami"/>
+        <a:font script="Taml" typeface="Latha"/>
+        <a:font script="Syrc" typeface="Estrangelo Edessa"/>
+        <a:font script="Orya" typeface="Kalinga"/>
+        <a:font script="Mlym" typeface="Kartika"/>
+        <a:font script="Laoo" typeface="DokChampa"/>
+        <a:font script="Sinh" typeface="Iskoola Pota"/>
+        <a:font script="Mong" typeface="Mongolian Baiti"/>
+        <a:font script="Viet" typeface="Times New Roman"/>
+        <a:font script="Uigh" typeface="Microsoft Uighur"/>
+        <a:font script="Geor" typeface="Sylfaen"/>
+      </a:majorFont>
+      <a:minorFont>
+        <a:latin typeface="Calibri" panose="020F0502020204030204"/>
+        <a:ea typeface=""/>
+        <a:cs typeface=""/>
+        <a:font script="Jpan" typeface="游ゴシック"/>
+        <a:font script="Hang" typeface="맑은 고딕"/>
+        <a:font script="Hans" typeface="等线"/>
+        <a:font script="Hant" typeface="新細明體"/>
+        <a:font script="Arab" typeface="Arial"/>
+        <a:font script="Hebr" typeface="Arial"/>
+        <a:font script="Thai" typeface="Cordia New"/>
+        <a:font script="Ethi" typeface="Nyala"/>
+        <a:font script="Beng" typeface="Vrinda"/>
+        <a:font script="Gujr" typeface="Shruti"/>
+        <a:font script="Khmr" typeface="DaunPenh"/>
+        <a:font script="Knda" typeface="Tunga"/>
+        <a:font script="Guru" typeface="Raavi"/>
+        <a:font script="Cans" typeface="Euphemia"/>
+        <a:font script="Cher" typeface="Plantagenet Cherokee"/>
+        <a:font script="Yiii" typeface="Microsoft Yi Baiti"/>
+        <a:font script="Tibt" typeface="Microsoft Himalaya"/>
+        <a:font script="Thaa" typeface="MV Boli"/>
+        <a:font script="Deva" typeface="Mangal"/>
+        <a:font script="Telu" typeface="Gautami"/>
+        <a:font script="Taml" typeface="Latha"/>
+        <a:font script="Syrc" typeface="Estrangelo Edessa"/>
+        <a:font script="Orya" typeface="Kalinga"/>
+        <a:font script="Mlym" typeface="Kartika"/>
+        <a:font script="Laoo" typeface="DokChampa"/>
+        <a:font script="Sinh" typeface="Iskoola Pota"/>
+        <a:font script="Mong" typeface="Mongolian Baiti"/>
+        <a:font script="Viet" typeface="Arial"/>
+        <a:font script="Uigh" typeface="Microsoft Uighur"/>
+        <a:font script="Geor" typeface="Sylfaen"/>
+      </a:minorFont>
+    </a:fontScheme>
+    <a:fmtScheme name="Стандартная">
+      <a:fillStyleLst>
+        <a:solidFill>
+          <a:schemeClr val="phClr"/>
+        </a:solidFill>
+        <a:gradFill rotWithShape="1">
+          <a:gsLst>
+            <a:gs pos="0">
+              <a:schemeClr val="phClr">
+                <a:lumMod val="110000"/>
+                <a:satMod val="105000"/>
+                <a:tint val="67000"/>
+              </a:schemeClr>
+            </a:gs>
+            <a:gs pos="50000">
+              <a:schemeClr val="phClr">
+                <a:lumMod val="105000"/>
+                <a:satMod val="103000"/>
+                <a:tint val="73000"/>
+              </a:schemeClr>
+            </a:gs>
+            <a:gs pos="100000">
+              <a:schemeClr val="phClr">
+                <a:lumMod val="105000"/>
+                <a:satMod val="109000"/>
+                <a:tint val="81000"/>
+              </a:schemeClr>
+            </a:gs>
+          </a:gsLst>
+          <a:lin ang="5400000" scaled="0"/>
+        </a:gradFill>
+        <a:gradFill rotWithShape="1">
+          <a:gsLst>
+            <a:gs pos="0">
+              <a:schemeClr val="phClr">
+                <a:satMod val="103000"/>
+                <a:lumMod val="102000"/>
+                <a:tint val="94000"/>
+              </a:schemeClr>
+            </a:gs>
+            <a:gs pos="50000">
+              <a:schemeClr val="phClr">
+                <a:satMod val="110000"/>
+                <a:lumMod val="100000"/>
+                <a:shade val="100000"/>
+              </a:schemeClr>
+            </a:gs>
+            <a:gs pos="100000">
+              <a:schemeClr val="phClr">
+                <a:lumMod val="99000"/>
+                <a:satMod val="120000"/>
+                <a:shade val="78000"/>
+              </a:schemeClr>
+            </a:gs>
+          </a:gsLst>
+          <a:lin ang="5400000" scaled="0"/>
+        </a:gradFill>
+      </a:fillStyleLst>
+      <a:lnStyleLst>
+        <a:ln w="6350" cap="flat" cmpd="sng" algn="ctr">
+          <a:solidFill>
+            <a:schemeClr val="phClr"/>
+          </a:solidFill>
+          <a:prstDash val="solid"/>
+          <a:miter lim="800000"/>
+        </a:ln>
+        <a:ln w="12700" cap="flat" cmpd="sng" algn="ctr">
+          <a:solidFill>
+            <a:schemeClr val="phClr"/>
+          </a:solidFill>
+          <a:prstDash val="solid"/>
+          <a:miter lim="800000"/>
+        </a:ln>
+        <a:ln w="19050" cap="flat" cmpd="sng" algn="ctr">
+          <a:solidFill>
+            <a:schemeClr val="phClr"/>
+          </a:solidFill>
+          <a:prstDash val="solid"/>
+          <a:miter lim="800000"/>
+        </a:ln>
+      </a:lnStyleLst>
+      <a:effectStyleLst>
+        <a:effectStyle>
+          <a:effectLst/>
+        </a:effectStyle>
+        <a:effectStyle>
+          <a:effectLst/>
+        </a:effectStyle>
+        <a:effectStyle>
+          <a:effectLst>
+            <a:outerShdw blurRad="57150" dist="19050" dir="5400000" algn="ctr" rotWithShape="0">
+              <a:srgbClr val="000000">
+                <a:alpha val="63000"/>
+              </a:srgbClr>
+            </a:outerShdw>
+          </a:effectLst>
+        </a:effectStyle>
+      </a:effectStyleLst>
+      <a:bgFillStyleLst>
+        <a:solidFill>
+          <a:schemeClr val="phClr"/>
+        </a:solidFill>
+        <a:solidFill>
+          <a:schemeClr val="phClr">
+            <a:tint val="95000"/>
+            <a:satMod val="170000"/>
+          </a:schemeClr>
+        </a:solidFill>
+        <a:gradFill rotWithShape="1">
+          <a:gsLst>
+            <a:gs pos="0">
+              <a:schemeClr val="phClr">
+                <a:tint val="93000"/>
+                <a:satMod val="150000"/>
+                <a:shade val="98000"/>
+                <a:lumMod val="102000"/>
+              </a:schemeClr>
+            </a:gs>
+            <a:gs pos="50000">
+              <a:schemeClr val="phClr">
+                <a:tint val="98000"/>
+                <a:satMod val="130000"/>
+                <a:shade val="90000"/>
+                <a:lumMod val="103000"/>
+              </a:schemeClr>
+            </a:gs>
+            <a:gs pos="100000">
+              <a:schemeClr val="phClr">
+                <a:shade val="63000"/>
+                <a:satMod val="120000"/>
+              </a:schemeClr>
+            </a:gs>
+          </a:gsLst>
+          <a:lin ang="5400000" scaled="0"/>
+        </a:gradFill>
+      </a:bgFillStyleLst>
+    </a:fmtScheme>
+  </a:themeElements>
+  <a:objectDefaults/>
+  <a:extraClrSchemeLst/>
+  <a:extLst>
+    <a:ext uri="{05A4C25C-085E-4340-85A3-A5531E510DB2}">
+      <thm15:themeFamily xmlns:thm15="http://schemas.microsoft.com/office/thememl/2012/main" name="Office Theme" id="{62F939B6-93AF-4DB8-9C6B-D6C7DFDC589F}" vid="{4A3C46E8-61CC-4603-A589-7422A47A8E4A}"/>
+    </a:ext>
+  </a:extLst>
+</a:theme>
 </file>